--- a/soutenance info.pptx
+++ b/soutenance info.pptx
@@ -12,9 +12,10 @@
     <p:sldId id="259" r:id="rId6"/>
     <p:sldId id="267" r:id="rId7"/>
     <p:sldId id="268" r:id="rId8"/>
-    <p:sldId id="265" r:id="rId9"/>
-    <p:sldId id="260" r:id="rId10"/>
-    <p:sldId id="261" r:id="rId11"/>
+    <p:sldId id="269" r:id="rId9"/>
+    <p:sldId id="265" r:id="rId10"/>
+    <p:sldId id="260" r:id="rId11"/>
+    <p:sldId id="261" r:id="rId12"/>
   </p:sldIdLst>
   <p:sldSz cx="12192000" cy="6858000"/>
   <p:notesSz cx="6858000" cy="9144000"/>
@@ -7704,6 +7705,629 @@
           <p:cNvPr id="2" name="Titre 1">
             <a:extLst>
               <a:ext uri="{FF2B5EF4-FFF2-40B4-BE49-F238E27FC236}">
+                <a16:creationId xmlns:a16="http://schemas.microsoft.com/office/drawing/2014/main" id="{B19E62EA-3CED-4724-A1A5-0E70438882B3}"/>
+              </a:ext>
+            </a:extLst>
+          </p:cNvPr>
+          <p:cNvSpPr>
+            <a:spLocks noGrp="1"/>
+          </p:cNvSpPr>
+          <p:nvPr>
+            <p:ph type="title"/>
+          </p:nvPr>
+        </p:nvSpPr>
+        <p:spPr/>
+        <p:txBody>
+          <a:bodyPr/>
+          <a:lstStyle/>
+          <a:p>
+            <a:r>
+              <a:rPr lang="fr-FR" dirty="0"/>
+              <a:t>Communication entre langages :</a:t>
+            </a:r>
+          </a:p>
+        </p:txBody>
+      </p:sp>
+      <p:sp>
+        <p:nvSpPr>
+          <p:cNvPr id="3" name="Rectangle : coins arrondis 2">
+            <a:extLst>
+              <a:ext uri="{FF2B5EF4-FFF2-40B4-BE49-F238E27FC236}">
+                <a16:creationId xmlns:a16="http://schemas.microsoft.com/office/drawing/2014/main" id="{D740A496-5EBC-460F-8B2C-5B31E93EDC84}"/>
+              </a:ext>
+            </a:extLst>
+          </p:cNvPr>
+          <p:cNvSpPr/>
+          <p:nvPr/>
+        </p:nvSpPr>
+        <p:spPr>
+          <a:xfrm>
+            <a:off x="576471" y="1921565"/>
+            <a:ext cx="4167807" cy="4571310"/>
+          </a:xfrm>
+          <a:prstGeom prst="roundRect">
+            <a:avLst/>
+          </a:prstGeom>
+          <a:solidFill>
+            <a:schemeClr val="accent5">
+              <a:lumMod val="20000"/>
+              <a:lumOff val="80000"/>
+            </a:schemeClr>
+          </a:solidFill>
+          <a:ln>
+            <a:noFill/>
+          </a:ln>
+        </p:spPr>
+        <p:style>
+          <a:lnRef idx="2">
+            <a:schemeClr val="accent1">
+              <a:shade val="50000"/>
+            </a:schemeClr>
+          </a:lnRef>
+          <a:fillRef idx="1">
+            <a:schemeClr val="accent1"/>
+          </a:fillRef>
+          <a:effectRef idx="0">
+            <a:schemeClr val="accent1"/>
+          </a:effectRef>
+          <a:fontRef idx="minor">
+            <a:schemeClr val="lt1"/>
+          </a:fontRef>
+        </p:style>
+        <p:txBody>
+          <a:bodyPr rtlCol="0" anchor="ctr"/>
+          <a:lstStyle/>
+          <a:p>
+            <a:pPr algn="ctr"/>
+            <a:endParaRPr lang="fr-FR"/>
+          </a:p>
+        </p:txBody>
+      </p:sp>
+      <p:sp>
+        <p:nvSpPr>
+          <p:cNvPr id="4" name="Rectangle : coins arrondis 3">
+            <a:extLst>
+              <a:ext uri="{FF2B5EF4-FFF2-40B4-BE49-F238E27FC236}">
+                <a16:creationId xmlns:a16="http://schemas.microsoft.com/office/drawing/2014/main" id="{2F6F2EFE-38F9-438E-B89B-B4D9E3AAD91C}"/>
+              </a:ext>
+            </a:extLst>
+          </p:cNvPr>
+          <p:cNvSpPr/>
+          <p:nvPr/>
+        </p:nvSpPr>
+        <p:spPr>
+          <a:xfrm>
+            <a:off x="6447183" y="1921565"/>
+            <a:ext cx="4167808" cy="4571310"/>
+          </a:xfrm>
+          <a:prstGeom prst="roundRect">
+            <a:avLst/>
+          </a:prstGeom>
+          <a:solidFill>
+            <a:schemeClr val="bg1">
+              <a:lumMod val="85000"/>
+            </a:schemeClr>
+          </a:solidFill>
+          <a:ln>
+            <a:noFill/>
+          </a:ln>
+        </p:spPr>
+        <p:style>
+          <a:lnRef idx="2">
+            <a:schemeClr val="accent1">
+              <a:shade val="50000"/>
+            </a:schemeClr>
+          </a:lnRef>
+          <a:fillRef idx="1">
+            <a:schemeClr val="accent1"/>
+          </a:fillRef>
+          <a:effectRef idx="0">
+            <a:schemeClr val="accent1"/>
+          </a:effectRef>
+          <a:fontRef idx="minor">
+            <a:schemeClr val="lt1"/>
+          </a:fontRef>
+        </p:style>
+        <p:txBody>
+          <a:bodyPr rtlCol="0" anchor="ctr"/>
+          <a:lstStyle/>
+          <a:p>
+            <a:pPr algn="ctr"/>
+            <a:endParaRPr lang="fr-FR"/>
+          </a:p>
+        </p:txBody>
+      </p:sp>
+      <p:pic>
+        <p:nvPicPr>
+          <p:cNvPr id="5" name="Picture 2" descr="Python Concepts - Wikiversity">
+            <a:extLst>
+              <a:ext uri="{FF2B5EF4-FFF2-40B4-BE49-F238E27FC236}">
+                <a16:creationId xmlns:a16="http://schemas.microsoft.com/office/drawing/2014/main" id="{59DEBD6F-48ED-4036-A8CA-B74BB0B89666}"/>
+              </a:ext>
+            </a:extLst>
+          </p:cNvPr>
+          <p:cNvPicPr>
+            <a:picLocks noChangeAspect="1" noChangeArrowheads="1"/>
+          </p:cNvPicPr>
+          <p:nvPr/>
+        </p:nvPicPr>
+        <p:blipFill>
+          <a:blip r:embed="rId2">
+            <a:extLst>
+              <a:ext uri="{28A0092B-C50C-407E-A947-70E740481C1C}">
+                <a14:useLocalDpi xmlns:a14="http://schemas.microsoft.com/office/drawing/2010/main" val="0"/>
+              </a:ext>
+            </a:extLst>
+          </a:blip>
+          <a:srcRect/>
+          <a:stretch>
+            <a:fillRect/>
+          </a:stretch>
+        </p:blipFill>
+        <p:spPr bwMode="auto">
+          <a:xfrm>
+            <a:off x="3425169" y="2114412"/>
+            <a:ext cx="1147349" cy="1147349"/>
+          </a:xfrm>
+          <a:prstGeom prst="rect">
+            <a:avLst/>
+          </a:prstGeom>
+          <a:noFill/>
+          <a:extLst>
+            <a:ext uri="{909E8E84-426E-40DD-AFC4-6F175D3DCCD1}">
+              <a14:hiddenFill xmlns:a14="http://schemas.microsoft.com/office/drawing/2010/main">
+                <a:solidFill>
+                  <a:srgbClr val="FFFFFF"/>
+                </a:solidFill>
+              </a14:hiddenFill>
+            </a:ext>
+          </a:extLst>
+        </p:spPr>
+      </p:pic>
+      <p:pic>
+        <p:nvPicPr>
+          <p:cNvPr id="6" name="Picture 2" descr="Programmare in C++ lezione 1 - Millennium Technology">
+            <a:extLst>
+              <a:ext uri="{FF2B5EF4-FFF2-40B4-BE49-F238E27FC236}">
+                <a16:creationId xmlns:a16="http://schemas.microsoft.com/office/drawing/2014/main" id="{CDE94567-5042-4F0D-98E5-F5A044E6560B}"/>
+              </a:ext>
+            </a:extLst>
+          </p:cNvPr>
+          <p:cNvPicPr>
+            <a:picLocks noChangeAspect="1" noChangeArrowheads="1"/>
+          </p:cNvPicPr>
+          <p:nvPr/>
+        </p:nvPicPr>
+        <p:blipFill>
+          <a:blip r:embed="rId3">
+            <a:extLst>
+              <a:ext uri="{28A0092B-C50C-407E-A947-70E740481C1C}">
+                <a14:useLocalDpi xmlns:a14="http://schemas.microsoft.com/office/drawing/2010/main" val="0"/>
+              </a:ext>
+            </a:extLst>
+          </a:blip>
+          <a:srcRect/>
+          <a:stretch>
+            <a:fillRect/>
+          </a:stretch>
+        </p:blipFill>
+        <p:spPr bwMode="auto">
+          <a:xfrm>
+            <a:off x="9186379" y="2025304"/>
+            <a:ext cx="1236457" cy="1236457"/>
+          </a:xfrm>
+          <a:prstGeom prst="rect">
+            <a:avLst/>
+          </a:prstGeom>
+          <a:noFill/>
+          <a:extLst>
+            <a:ext uri="{909E8E84-426E-40DD-AFC4-6F175D3DCCD1}">
+              <a14:hiddenFill xmlns:a14="http://schemas.microsoft.com/office/drawing/2010/main">
+                <a:solidFill>
+                  <a:srgbClr val="FFFFFF"/>
+                </a:solidFill>
+              </a14:hiddenFill>
+            </a:ext>
+          </a:extLst>
+        </p:spPr>
+      </p:pic>
+      <p:sp>
+        <p:nvSpPr>
+          <p:cNvPr id="7" name="ZoneTexte 6">
+            <a:extLst>
+              <a:ext uri="{FF2B5EF4-FFF2-40B4-BE49-F238E27FC236}">
+                <a16:creationId xmlns:a16="http://schemas.microsoft.com/office/drawing/2014/main" id="{FB2A979C-3CC3-4DE1-9B8F-96ABB1BFAB41}"/>
+              </a:ext>
+            </a:extLst>
+          </p:cNvPr>
+          <p:cNvSpPr txBox="1"/>
+          <p:nvPr/>
+        </p:nvSpPr>
+        <p:spPr>
+          <a:xfrm>
+            <a:off x="6728172" y="2228033"/>
+            <a:ext cx="2533787" cy="830997"/>
+          </a:xfrm>
+          <a:prstGeom prst="rect">
+            <a:avLst/>
+          </a:prstGeom>
+          <a:noFill/>
+        </p:spPr>
+        <p:txBody>
+          <a:bodyPr wrap="square" rtlCol="0">
+            <a:spAutoFit/>
+          </a:bodyPr>
+          <a:lstStyle/>
+          <a:p>
+            <a:r>
+              <a:rPr lang="fr-FR" sz="2400" b="1" dirty="0"/>
+              <a:t>Simulation du trou noir :</a:t>
+            </a:r>
+          </a:p>
+        </p:txBody>
+      </p:sp>
+      <p:sp>
+        <p:nvSpPr>
+          <p:cNvPr id="8" name="ZoneTexte 7">
+            <a:extLst>
+              <a:ext uri="{FF2B5EF4-FFF2-40B4-BE49-F238E27FC236}">
+                <a16:creationId xmlns:a16="http://schemas.microsoft.com/office/drawing/2014/main" id="{FC884AD3-2B87-47B9-9E43-594CA6B857DC}"/>
+              </a:ext>
+            </a:extLst>
+          </p:cNvPr>
+          <p:cNvSpPr txBox="1"/>
+          <p:nvPr/>
+        </p:nvSpPr>
+        <p:spPr>
+          <a:xfrm>
+            <a:off x="997398" y="2412698"/>
+            <a:ext cx="2533787" cy="461665"/>
+          </a:xfrm>
+          <a:prstGeom prst="rect">
+            <a:avLst/>
+          </a:prstGeom>
+          <a:noFill/>
+        </p:spPr>
+        <p:txBody>
+          <a:bodyPr wrap="square" rtlCol="0">
+            <a:spAutoFit/>
+          </a:bodyPr>
+          <a:lstStyle/>
+          <a:p>
+            <a:r>
+              <a:rPr lang="fr-FR" sz="2400" b="1" dirty="0"/>
+              <a:t>Main :</a:t>
+            </a:r>
+          </a:p>
+        </p:txBody>
+      </p:sp>
+      <p:sp>
+        <p:nvSpPr>
+          <p:cNvPr id="9" name="ZoneTexte 8">
+            <a:extLst>
+              <a:ext uri="{FF2B5EF4-FFF2-40B4-BE49-F238E27FC236}">
+                <a16:creationId xmlns:a16="http://schemas.microsoft.com/office/drawing/2014/main" id="{D503191D-1EDC-48A2-9F68-6552C81AFC37}"/>
+              </a:ext>
+            </a:extLst>
+          </p:cNvPr>
+          <p:cNvSpPr txBox="1"/>
+          <p:nvPr/>
+        </p:nvSpPr>
+        <p:spPr>
+          <a:xfrm>
+            <a:off x="997398" y="3419188"/>
+            <a:ext cx="3482009" cy="2554545"/>
+          </a:xfrm>
+          <a:prstGeom prst="rect">
+            <a:avLst/>
+          </a:prstGeom>
+          <a:noFill/>
+        </p:spPr>
+        <p:txBody>
+          <a:bodyPr wrap="square" rtlCol="0">
+            <a:spAutoFit/>
+          </a:bodyPr>
+          <a:lstStyle/>
+          <a:p>
+            <a:pPr marL="285750" indent="-285750">
+              <a:buFontTx/>
+              <a:buChar char="-"/>
+            </a:pPr>
+            <a:r>
+              <a:rPr lang="fr-FR" sz="2000" dirty="0"/>
+              <a:t>Interface utilisateur</a:t>
+            </a:r>
+          </a:p>
+          <a:p>
+            <a:pPr marL="285750" indent="-285750">
+              <a:buFontTx/>
+              <a:buChar char="-"/>
+            </a:pPr>
+            <a:r>
+              <a:rPr lang="fr-FR" sz="2000" dirty="0"/>
+              <a:t>Choix des paramètres de simulation</a:t>
+            </a:r>
+          </a:p>
+          <a:p>
+            <a:pPr marL="285750" indent="-285750">
+              <a:buFontTx/>
+              <a:buChar char="-"/>
+            </a:pPr>
+            <a:endParaRPr lang="fr-FR" sz="2000" dirty="0"/>
+          </a:p>
+          <a:p>
+            <a:endParaRPr lang="fr-FR" sz="2000" dirty="0"/>
+          </a:p>
+          <a:p>
+            <a:endParaRPr lang="fr-FR" sz="2000" dirty="0"/>
+          </a:p>
+          <a:p>
+            <a:pPr marL="285750" indent="-285750">
+              <a:buFontTx/>
+              <a:buChar char="-"/>
+            </a:pPr>
+            <a:endParaRPr lang="fr-FR" sz="2000" dirty="0"/>
+          </a:p>
+          <a:p>
+            <a:pPr marL="285750" indent="-285750">
+              <a:buFontTx/>
+              <a:buChar char="-"/>
+            </a:pPr>
+            <a:r>
+              <a:rPr lang="fr-FR" sz="2000" dirty="0"/>
+              <a:t>Filtre</a:t>
+            </a:r>
+          </a:p>
+        </p:txBody>
+      </p:sp>
+      <p:sp>
+        <p:nvSpPr>
+          <p:cNvPr id="10" name="ZoneTexte 9">
+            <a:extLst>
+              <a:ext uri="{FF2B5EF4-FFF2-40B4-BE49-F238E27FC236}">
+                <a16:creationId xmlns:a16="http://schemas.microsoft.com/office/drawing/2014/main" id="{49D59848-290F-45DC-A6D9-953CB7A77DDB}"/>
+              </a:ext>
+            </a:extLst>
+          </p:cNvPr>
+          <p:cNvSpPr txBox="1"/>
+          <p:nvPr/>
+        </p:nvSpPr>
+        <p:spPr>
+          <a:xfrm>
+            <a:off x="6728172" y="3568229"/>
+            <a:ext cx="3482009" cy="1938992"/>
+          </a:xfrm>
+          <a:prstGeom prst="rect">
+            <a:avLst/>
+          </a:prstGeom>
+          <a:noFill/>
+        </p:spPr>
+        <p:txBody>
+          <a:bodyPr wrap="square" rtlCol="0">
+            <a:spAutoFit/>
+          </a:bodyPr>
+          <a:lstStyle/>
+          <a:p>
+            <a:pPr marL="285750" indent="-285750">
+              <a:buFontTx/>
+              <a:buChar char="-"/>
+            </a:pPr>
+            <a:r>
+              <a:rPr lang="fr-FR" sz="2000" dirty="0"/>
+              <a:t>Récupération des pixels dans l’image de fond</a:t>
+            </a:r>
+          </a:p>
+          <a:p>
+            <a:pPr marL="285750" indent="-285750">
+              <a:buFontTx/>
+              <a:buChar char="-"/>
+            </a:pPr>
+            <a:r>
+              <a:rPr lang="fr-FR" sz="2000" dirty="0"/>
+              <a:t>Calcul des trajectoires et des valeurs de pixel</a:t>
+            </a:r>
+          </a:p>
+          <a:p>
+            <a:r>
+              <a:rPr lang="fr-FR" sz="2000" dirty="0"/>
+              <a:t>- Constitution de l’image</a:t>
+            </a:r>
+          </a:p>
+        </p:txBody>
+      </p:sp>
+      <p:cxnSp>
+        <p:nvCxnSpPr>
+          <p:cNvPr id="12" name="Connecteur droit avec flèche 11">
+            <a:extLst>
+              <a:ext uri="{FF2B5EF4-FFF2-40B4-BE49-F238E27FC236}">
+                <a16:creationId xmlns:a16="http://schemas.microsoft.com/office/drawing/2014/main" id="{8F658D8A-2B92-41FC-B642-317FF274DDE1}"/>
+              </a:ext>
+            </a:extLst>
+          </p:cNvPr>
+          <p:cNvCxnSpPr/>
+          <p:nvPr/>
+        </p:nvCxnSpPr>
+        <p:spPr>
+          <a:xfrm>
+            <a:off x="4572518" y="4041912"/>
+            <a:ext cx="1967776" cy="0"/>
+          </a:xfrm>
+          <a:prstGeom prst="straightConnector1">
+            <a:avLst/>
+          </a:prstGeom>
+          <a:ln w="38100">
+            <a:tailEnd type="triangle"/>
+          </a:ln>
+        </p:spPr>
+        <p:style>
+          <a:lnRef idx="1">
+            <a:schemeClr val="accent1"/>
+          </a:lnRef>
+          <a:fillRef idx="0">
+            <a:schemeClr val="accent1"/>
+          </a:fillRef>
+          <a:effectRef idx="0">
+            <a:schemeClr val="accent1"/>
+          </a:effectRef>
+          <a:fontRef idx="minor">
+            <a:schemeClr val="tx1"/>
+          </a:fontRef>
+        </p:style>
+      </p:cxnSp>
+      <p:cxnSp>
+        <p:nvCxnSpPr>
+          <p:cNvPr id="13" name="Connecteur droit avec flèche 12">
+            <a:extLst>
+              <a:ext uri="{FF2B5EF4-FFF2-40B4-BE49-F238E27FC236}">
+                <a16:creationId xmlns:a16="http://schemas.microsoft.com/office/drawing/2014/main" id="{93951F59-4EA4-4263-BC0A-889595DE9156}"/>
+              </a:ext>
+            </a:extLst>
+          </p:cNvPr>
+          <p:cNvCxnSpPr>
+            <a:cxnSpLocks/>
+          </p:cNvCxnSpPr>
+          <p:nvPr/>
+        </p:nvCxnSpPr>
+        <p:spPr>
+          <a:xfrm flipH="1">
+            <a:off x="4572518" y="5294243"/>
+            <a:ext cx="1967776" cy="0"/>
+          </a:xfrm>
+          <a:prstGeom prst="straightConnector1">
+            <a:avLst/>
+          </a:prstGeom>
+          <a:ln w="38100">
+            <a:tailEnd type="triangle"/>
+          </a:ln>
+        </p:spPr>
+        <p:style>
+          <a:lnRef idx="1">
+            <a:schemeClr val="accent1"/>
+          </a:lnRef>
+          <a:fillRef idx="0">
+            <a:schemeClr val="accent1"/>
+          </a:fillRef>
+          <a:effectRef idx="0">
+            <a:schemeClr val="accent1"/>
+          </a:effectRef>
+          <a:fontRef idx="minor">
+            <a:schemeClr val="tx1"/>
+          </a:fontRef>
+        </p:style>
+      </p:cxnSp>
+      <p:sp>
+        <p:nvSpPr>
+          <p:cNvPr id="14" name="ZoneTexte 13">
+            <a:extLst>
+              <a:ext uri="{FF2B5EF4-FFF2-40B4-BE49-F238E27FC236}">
+                <a16:creationId xmlns:a16="http://schemas.microsoft.com/office/drawing/2014/main" id="{BDC50743-9EA9-4721-B974-04D8A3FE46AA}"/>
+              </a:ext>
+            </a:extLst>
+          </p:cNvPr>
+          <p:cNvSpPr txBox="1"/>
+          <p:nvPr/>
+        </p:nvSpPr>
+        <p:spPr>
+          <a:xfrm>
+            <a:off x="4836425" y="3615503"/>
+            <a:ext cx="1579084" cy="369332"/>
+          </a:xfrm>
+          <a:prstGeom prst="rect">
+            <a:avLst/>
+          </a:prstGeom>
+          <a:noFill/>
+        </p:spPr>
+        <p:txBody>
+          <a:bodyPr wrap="square" rtlCol="0">
+            <a:spAutoFit/>
+          </a:bodyPr>
+          <a:lstStyle/>
+          <a:p>
+            <a:r>
+              <a:rPr lang="fr-FR" b="1" dirty="0">
+                <a:solidFill>
+                  <a:srgbClr val="0070C0"/>
+                </a:solidFill>
+              </a:rPr>
+              <a:t>Fichier txt</a:t>
+            </a:r>
+          </a:p>
+        </p:txBody>
+      </p:sp>
+      <p:sp>
+        <p:nvSpPr>
+          <p:cNvPr id="15" name="ZoneTexte 14">
+            <a:extLst>
+              <a:ext uri="{FF2B5EF4-FFF2-40B4-BE49-F238E27FC236}">
+                <a16:creationId xmlns:a16="http://schemas.microsoft.com/office/drawing/2014/main" id="{B12113F5-6C36-476B-BC7A-15241D7E1670}"/>
+              </a:ext>
+            </a:extLst>
+          </p:cNvPr>
+          <p:cNvSpPr txBox="1"/>
+          <p:nvPr/>
+        </p:nvSpPr>
+        <p:spPr>
+          <a:xfrm>
+            <a:off x="4841595" y="5340455"/>
+            <a:ext cx="1672195" cy="369332"/>
+          </a:xfrm>
+          <a:prstGeom prst="rect">
+            <a:avLst/>
+          </a:prstGeom>
+          <a:noFill/>
+        </p:spPr>
+        <p:txBody>
+          <a:bodyPr wrap="square" rtlCol="0">
+            <a:spAutoFit/>
+          </a:bodyPr>
+          <a:lstStyle/>
+          <a:p>
+            <a:r>
+              <a:rPr lang="fr-FR" b="1" dirty="0">
+                <a:solidFill>
+                  <a:srgbClr val="0070C0"/>
+                </a:solidFill>
+              </a:rPr>
+              <a:t>Fichier png</a:t>
+            </a:r>
+          </a:p>
+        </p:txBody>
+      </p:sp>
+    </p:spTree>
+    <p:extLst>
+      <p:ext uri="{BB962C8B-B14F-4D97-AF65-F5344CB8AC3E}">
+        <p14:creationId xmlns:p14="http://schemas.microsoft.com/office/powerpoint/2010/main" val="2463436045"/>
+      </p:ext>
+    </p:extLst>
+  </p:cSld>
+  <p:clrMapOvr>
+    <a:masterClrMapping/>
+  </p:clrMapOvr>
+</p:sld>
+</file>
+
+<file path=ppt/slides/slide11.xml><?xml version="1.0" encoding="utf-8"?>
+<p:sld xmlns:a="http://schemas.openxmlformats.org/drawingml/2006/main" xmlns:r="http://schemas.openxmlformats.org/officeDocument/2006/relationships" xmlns:p="http://schemas.openxmlformats.org/presentationml/2006/main">
+  <p:cSld>
+    <p:spTree>
+      <p:nvGrpSpPr>
+        <p:cNvPr id="1" name=""/>
+        <p:cNvGrpSpPr/>
+        <p:nvPr/>
+      </p:nvGrpSpPr>
+      <p:grpSpPr>
+        <a:xfrm>
+          <a:off x="0" y="0"/>
+          <a:ext cx="0" cy="0"/>
+          <a:chOff x="0" y="0"/>
+          <a:chExt cx="0" cy="0"/>
+        </a:xfrm>
+      </p:grpSpPr>
+      <p:sp>
+        <p:nvSpPr>
+          <p:cNvPr id="2" name="Titre 1">
+            <a:extLst>
+              <a:ext uri="{FF2B5EF4-FFF2-40B4-BE49-F238E27FC236}">
                 <a16:creationId xmlns:a16="http://schemas.microsoft.com/office/drawing/2014/main" id="{FDDC2ABA-DC36-4875-876C-5553AC789589}"/>
               </a:ext>
             </a:extLst>
@@ -11762,6 +12386,2802 @@
           <a:chExt cx="0" cy="0"/>
         </a:xfrm>
       </p:grpSpPr>
+      <mc:AlternateContent xmlns:mc="http://schemas.openxmlformats.org/markup-compatibility/2006">
+        <mc:Choice xmlns:a14="http://schemas.microsoft.com/office/drawing/2010/main" Requires="a14">
+          <p:sp>
+            <p:nvSpPr>
+              <p:cNvPr id="2" name="ZoneTexte 1">
+                <a:extLst>
+                  <a:ext uri="{FF2B5EF4-FFF2-40B4-BE49-F238E27FC236}">
+                    <a16:creationId xmlns:a16="http://schemas.microsoft.com/office/drawing/2014/main" id="{C992C25C-F9C7-42EE-93E3-9C5F37CA2259}"/>
+                  </a:ext>
+                </a:extLst>
+              </p:cNvPr>
+              <p:cNvSpPr txBox="1"/>
+              <p:nvPr/>
+            </p:nvSpPr>
+            <p:spPr>
+              <a:xfrm>
+                <a:off x="1562100" y="438150"/>
+                <a:ext cx="9467850" cy="646331"/>
+              </a:xfrm>
+              <a:prstGeom prst="rect">
+                <a:avLst/>
+              </a:prstGeom>
+              <a:noFill/>
+            </p:spPr>
+            <p:txBody>
+              <a:bodyPr wrap="square" rtlCol="0">
+                <a:spAutoFit/>
+              </a:bodyPr>
+              <a:lstStyle/>
+              <a:p>
+                <a14:m>
+                  <m:oMathPara xmlns:m="http://schemas.openxmlformats.org/officeDocument/2006/math">
+                    <m:oMathParaPr>
+                      <m:jc m:val="centerGroup"/>
+                    </m:oMathParaPr>
+                    <m:oMath xmlns:m="http://schemas.openxmlformats.org/officeDocument/2006/math">
+                      <m:r>
+                        <a:rPr lang="fr-FR" i="1" smtClean="0">
+                          <a:latin typeface="Cambria Math" panose="02040503050406030204" pitchFamily="18" charset="0"/>
+                        </a:rPr>
+                        <m:t>ⅆ</m:t>
+                      </m:r>
+                      <m:sSup>
+                        <m:sSupPr>
+                          <m:ctrlPr>
+                            <a:rPr lang="fr-FR" i="1" smtClean="0">
+                              <a:latin typeface="Cambria Math" panose="02040503050406030204" pitchFamily="18" charset="0"/>
+                            </a:rPr>
+                          </m:ctrlPr>
+                        </m:sSupPr>
+                        <m:e>
+                          <m:r>
+                            <a:rPr lang="fr-FR" i="1" smtClean="0">
+                              <a:latin typeface="Cambria Math" panose="02040503050406030204" pitchFamily="18" charset="0"/>
+                            </a:rPr>
+                            <m:t>𝑆</m:t>
+                          </m:r>
+                        </m:e>
+                        <m:sup>
+                          <m:r>
+                            <a:rPr lang="fr-FR" i="1" smtClean="0">
+                              <a:latin typeface="Cambria Math" panose="02040503050406030204" pitchFamily="18" charset="0"/>
+                            </a:rPr>
+                            <m:t>2</m:t>
+                          </m:r>
+                        </m:sup>
+                      </m:sSup>
+                      <m:r>
+                        <a:rPr lang="fr-FR" i="1" smtClean="0">
+                          <a:latin typeface="Cambria Math" panose="02040503050406030204" pitchFamily="18" charset="0"/>
+                        </a:rPr>
+                        <m:t>=−</m:t>
+                      </m:r>
+                      <m:f>
+                        <m:fPr>
+                          <m:ctrlPr>
+                            <a:rPr lang="fr-FR" i="1" smtClean="0">
+                              <a:latin typeface="Cambria Math" panose="02040503050406030204" pitchFamily="18" charset="0"/>
+                            </a:rPr>
+                          </m:ctrlPr>
+                        </m:fPr>
+                        <m:num>
+                          <m:r>
+                            <m:rPr>
+                              <m:sty m:val="p"/>
+                            </m:rPr>
+                            <a:rPr lang="fr-FR" i="1" smtClean="0">
+                              <a:latin typeface="Cambria Math" panose="02040503050406030204" pitchFamily="18" charset="0"/>
+                            </a:rPr>
+                            <m:t>Δ</m:t>
+                          </m:r>
+                        </m:num>
+                        <m:den>
+                          <m:r>
+                            <a:rPr lang="fr-FR" i="1" smtClean="0">
+                              <a:latin typeface="Cambria Math" panose="02040503050406030204" pitchFamily="18" charset="0"/>
+                            </a:rPr>
+                            <m:t>𝛴</m:t>
+                          </m:r>
+                        </m:den>
+                      </m:f>
+                      <m:sSup>
+                        <m:sSupPr>
+                          <m:ctrlPr>
+                            <a:rPr lang="fr-FR" i="1" smtClean="0">
+                              <a:latin typeface="Cambria Math" panose="02040503050406030204" pitchFamily="18" charset="0"/>
+                            </a:rPr>
+                          </m:ctrlPr>
+                        </m:sSupPr>
+                        <m:e>
+                          <m:d>
+                            <m:dPr>
+                              <m:ctrlPr>
+                                <a:rPr lang="fr-FR" i="1" smtClean="0">
+                                  <a:latin typeface="Cambria Math" panose="02040503050406030204" pitchFamily="18" charset="0"/>
+                                </a:rPr>
+                              </m:ctrlPr>
+                            </m:dPr>
+                            <m:e>
+                              <m:r>
+                                <a:rPr lang="fr-FR" i="1" smtClean="0">
+                                  <a:latin typeface="Cambria Math" panose="02040503050406030204" pitchFamily="18" charset="0"/>
+                                </a:rPr>
+                                <m:t>ⅆ</m:t>
+                              </m:r>
+                              <m:r>
+                                <a:rPr lang="fr-FR" i="1" smtClean="0">
+                                  <a:latin typeface="Cambria Math" panose="02040503050406030204" pitchFamily="18" charset="0"/>
+                                </a:rPr>
+                                <m:t>𝑡</m:t>
+                              </m:r>
+                              <m:r>
+                                <a:rPr lang="fr-FR" i="1" smtClean="0">
+                                  <a:latin typeface="Cambria Math" panose="02040503050406030204" pitchFamily="18" charset="0"/>
+                                </a:rPr>
+                                <m:t>−</m:t>
+                              </m:r>
+                              <m:r>
+                                <a:rPr lang="fr-FR" i="1" smtClean="0">
+                                  <a:latin typeface="Cambria Math" panose="02040503050406030204" pitchFamily="18" charset="0"/>
+                                </a:rPr>
+                                <m:t>𝑎</m:t>
+                              </m:r>
+                              <m:func>
+                                <m:funcPr>
+                                  <m:ctrlPr>
+                                    <a:rPr lang="fr-FR" i="1" smtClean="0">
+                                      <a:latin typeface="Cambria Math" panose="02040503050406030204" pitchFamily="18" charset="0"/>
+                                    </a:rPr>
+                                  </m:ctrlPr>
+                                </m:funcPr>
+                                <m:fName>
+                                  <m:sSup>
+                                    <m:sSupPr>
+                                      <m:ctrlPr>
+                                        <a:rPr lang="fr-FR" i="1" smtClean="0">
+                                          <a:latin typeface="Cambria Math" panose="02040503050406030204" pitchFamily="18" charset="0"/>
+                                        </a:rPr>
+                                      </m:ctrlPr>
+                                    </m:sSupPr>
+                                    <m:e>
+                                      <m:r>
+                                        <m:rPr>
+                                          <m:sty m:val="p"/>
+                                        </m:rPr>
+                                        <a:rPr lang="fr-FR" i="1" smtClean="0">
+                                          <a:latin typeface="Cambria Math" panose="02040503050406030204" pitchFamily="18" charset="0"/>
+                                        </a:rPr>
+                                        <m:t>sin</m:t>
+                                      </m:r>
+                                    </m:e>
+                                    <m:sup>
+                                      <m:r>
+                                        <a:rPr lang="fr-FR" i="1" smtClean="0">
+                                          <a:latin typeface="Cambria Math" panose="02040503050406030204" pitchFamily="18" charset="0"/>
+                                        </a:rPr>
+                                        <m:t>2</m:t>
+                                      </m:r>
+                                    </m:sup>
+                                  </m:sSup>
+                                </m:fName>
+                                <m:e>
+                                  <m:r>
+                                    <a:rPr lang="fr-FR" i="1" smtClean="0">
+                                      <a:latin typeface="Cambria Math" panose="02040503050406030204" pitchFamily="18" charset="0"/>
+                                    </a:rPr>
+                                    <m:t>𝜃</m:t>
+                                  </m:r>
+                                  <m:r>
+                                    <a:rPr lang="fr-FR" i="1" smtClean="0">
+                                      <a:latin typeface="Cambria Math" panose="02040503050406030204" pitchFamily="18" charset="0"/>
+                                    </a:rPr>
+                                    <m:t>ⅆ</m:t>
+                                  </m:r>
+                                  <m:r>
+                                    <a:rPr lang="fr-FR" i="1" smtClean="0">
+                                      <a:latin typeface="Cambria Math" panose="02040503050406030204" pitchFamily="18" charset="0"/>
+                                    </a:rPr>
+                                    <m:t>𝜙</m:t>
+                                  </m:r>
+                                </m:e>
+                              </m:func>
+                            </m:e>
+                          </m:d>
+                        </m:e>
+                        <m:sup>
+                          <m:r>
+                            <a:rPr lang="fr-FR" i="1" smtClean="0">
+                              <a:latin typeface="Cambria Math" panose="02040503050406030204" pitchFamily="18" charset="0"/>
+                            </a:rPr>
+                            <m:t>2</m:t>
+                          </m:r>
+                        </m:sup>
+                      </m:sSup>
+                      <m:r>
+                        <a:rPr lang="fr-FR" i="1" smtClean="0">
+                          <a:latin typeface="Cambria Math" panose="02040503050406030204" pitchFamily="18" charset="0"/>
+                        </a:rPr>
+                        <m:t>+</m:t>
+                      </m:r>
+                      <m:f>
+                        <m:fPr>
+                          <m:ctrlPr>
+                            <a:rPr lang="fr-FR" i="1" smtClean="0">
+                              <a:latin typeface="Cambria Math" panose="02040503050406030204" pitchFamily="18" charset="0"/>
+                            </a:rPr>
+                          </m:ctrlPr>
+                        </m:fPr>
+                        <m:num>
+                          <m:func>
+                            <m:funcPr>
+                              <m:ctrlPr>
+                                <a:rPr lang="fr-FR" i="1" smtClean="0">
+                                  <a:latin typeface="Cambria Math" panose="02040503050406030204" pitchFamily="18" charset="0"/>
+                                </a:rPr>
+                              </m:ctrlPr>
+                            </m:funcPr>
+                            <m:fName>
+                              <m:sSup>
+                                <m:sSupPr>
+                                  <m:ctrlPr>
+                                    <a:rPr lang="fr-FR" i="1" smtClean="0">
+                                      <a:latin typeface="Cambria Math" panose="02040503050406030204" pitchFamily="18" charset="0"/>
+                                    </a:rPr>
+                                  </m:ctrlPr>
+                                </m:sSupPr>
+                                <m:e>
+                                  <m:r>
+                                    <m:rPr>
+                                      <m:sty m:val="p"/>
+                                    </m:rPr>
+                                    <a:rPr lang="fr-FR" i="1" smtClean="0">
+                                      <a:latin typeface="Cambria Math" panose="02040503050406030204" pitchFamily="18" charset="0"/>
+                                    </a:rPr>
+                                    <m:t>sin</m:t>
+                                  </m:r>
+                                </m:e>
+                                <m:sup>
+                                  <m:r>
+                                    <a:rPr lang="fr-FR" i="1" smtClean="0">
+                                      <a:latin typeface="Cambria Math" panose="02040503050406030204" pitchFamily="18" charset="0"/>
+                                    </a:rPr>
+                                    <m:t>2</m:t>
+                                  </m:r>
+                                </m:sup>
+                              </m:sSup>
+                            </m:fName>
+                            <m:e>
+                              <m:r>
+                                <a:rPr lang="fr-FR" i="1" smtClean="0">
+                                  <a:latin typeface="Cambria Math" panose="02040503050406030204" pitchFamily="18" charset="0"/>
+                                </a:rPr>
+                                <m:t>𝜃</m:t>
+                              </m:r>
+                            </m:e>
+                          </m:func>
+                        </m:num>
+                        <m:den>
+                          <m:r>
+                            <a:rPr lang="fr-FR" i="1" smtClean="0">
+                              <a:latin typeface="Cambria Math" panose="02040503050406030204" pitchFamily="18" charset="0"/>
+                            </a:rPr>
+                            <m:t>𝛴</m:t>
+                          </m:r>
+                        </m:den>
+                      </m:f>
+                      <m:sSup>
+                        <m:sSupPr>
+                          <m:ctrlPr>
+                            <a:rPr lang="fr-FR" i="1" smtClean="0">
+                              <a:latin typeface="Cambria Math" panose="02040503050406030204" pitchFamily="18" charset="0"/>
+                            </a:rPr>
+                          </m:ctrlPr>
+                        </m:sSupPr>
+                        <m:e>
+                          <m:d>
+                            <m:dPr>
+                              <m:ctrlPr>
+                                <a:rPr lang="fr-FR" i="1" smtClean="0">
+                                  <a:latin typeface="Cambria Math" panose="02040503050406030204" pitchFamily="18" charset="0"/>
+                                </a:rPr>
+                              </m:ctrlPr>
+                            </m:dPr>
+                            <m:e>
+                              <m:d>
+                                <m:dPr>
+                                  <m:ctrlPr>
+                                    <a:rPr lang="fr-FR" i="1" smtClean="0">
+                                      <a:latin typeface="Cambria Math" panose="02040503050406030204" pitchFamily="18" charset="0"/>
+                                    </a:rPr>
+                                  </m:ctrlPr>
+                                </m:dPr>
+                                <m:e>
+                                  <m:sSup>
+                                    <m:sSupPr>
+                                      <m:ctrlPr>
+                                        <a:rPr lang="fr-FR" i="1" smtClean="0">
+                                          <a:latin typeface="Cambria Math" panose="02040503050406030204" pitchFamily="18" charset="0"/>
+                                        </a:rPr>
+                                      </m:ctrlPr>
+                                    </m:sSupPr>
+                                    <m:e>
+                                      <m:r>
+                                        <a:rPr lang="fr-FR" i="1" smtClean="0">
+                                          <a:latin typeface="Cambria Math" panose="02040503050406030204" pitchFamily="18" charset="0"/>
+                                        </a:rPr>
+                                        <m:t>𝑟</m:t>
+                                      </m:r>
+                                    </m:e>
+                                    <m:sup>
+                                      <m:r>
+                                        <a:rPr lang="fr-FR" i="1" smtClean="0">
+                                          <a:latin typeface="Cambria Math" panose="02040503050406030204" pitchFamily="18" charset="0"/>
+                                        </a:rPr>
+                                        <m:t>2</m:t>
+                                      </m:r>
+                                    </m:sup>
+                                  </m:sSup>
+                                  <m:r>
+                                    <a:rPr lang="fr-FR" i="1" smtClean="0">
+                                      <a:latin typeface="Cambria Math" panose="02040503050406030204" pitchFamily="18" charset="0"/>
+                                    </a:rPr>
+                                    <m:t>+</m:t>
+                                  </m:r>
+                                  <m:sSup>
+                                    <m:sSupPr>
+                                      <m:ctrlPr>
+                                        <a:rPr lang="fr-FR" i="1" smtClean="0">
+                                          <a:latin typeface="Cambria Math" panose="02040503050406030204" pitchFamily="18" charset="0"/>
+                                        </a:rPr>
+                                      </m:ctrlPr>
+                                    </m:sSupPr>
+                                    <m:e>
+                                      <m:r>
+                                        <a:rPr lang="fr-FR" i="1" smtClean="0">
+                                          <a:latin typeface="Cambria Math" panose="02040503050406030204" pitchFamily="18" charset="0"/>
+                                        </a:rPr>
+                                        <m:t>𝑎</m:t>
+                                      </m:r>
+                                    </m:e>
+                                    <m:sup>
+                                      <m:r>
+                                        <a:rPr lang="fr-FR" i="1" smtClean="0">
+                                          <a:latin typeface="Cambria Math" panose="02040503050406030204" pitchFamily="18" charset="0"/>
+                                        </a:rPr>
+                                        <m:t>2</m:t>
+                                      </m:r>
+                                    </m:sup>
+                                  </m:sSup>
+                                </m:e>
+                              </m:d>
+                              <m:r>
+                                <a:rPr lang="fr-FR" i="1" smtClean="0">
+                                  <a:latin typeface="Cambria Math" panose="02040503050406030204" pitchFamily="18" charset="0"/>
+                                </a:rPr>
+                                <m:t>ⅆ</m:t>
+                              </m:r>
+                              <m:r>
+                                <a:rPr lang="fr-FR" i="1" smtClean="0">
+                                  <a:latin typeface="Cambria Math" panose="02040503050406030204" pitchFamily="18" charset="0"/>
+                                </a:rPr>
+                                <m:t>𝜙</m:t>
+                              </m:r>
+                              <m:r>
+                                <a:rPr lang="fr-FR" i="1" smtClean="0">
+                                  <a:latin typeface="Cambria Math" panose="02040503050406030204" pitchFamily="18" charset="0"/>
+                                </a:rPr>
+                                <m:t>−</m:t>
+                              </m:r>
+                              <m:r>
+                                <a:rPr lang="fr-FR" i="1" smtClean="0">
+                                  <a:latin typeface="Cambria Math" panose="02040503050406030204" pitchFamily="18" charset="0"/>
+                                </a:rPr>
+                                <m:t>𝑎</m:t>
+                              </m:r>
+                              <m:r>
+                                <a:rPr lang="fr-FR" i="1" smtClean="0">
+                                  <a:latin typeface="Cambria Math" panose="02040503050406030204" pitchFamily="18" charset="0"/>
+                                </a:rPr>
+                                <m:t>ⅆ</m:t>
+                              </m:r>
+                              <m:r>
+                                <a:rPr lang="fr-FR" i="1" smtClean="0">
+                                  <a:latin typeface="Cambria Math" panose="02040503050406030204" pitchFamily="18" charset="0"/>
+                                </a:rPr>
+                                <m:t>𝑡</m:t>
+                              </m:r>
+                            </m:e>
+                          </m:d>
+                        </m:e>
+                        <m:sup>
+                          <m:r>
+                            <a:rPr lang="fr-FR" i="1" smtClean="0">
+                              <a:latin typeface="Cambria Math" panose="02040503050406030204" pitchFamily="18" charset="0"/>
+                            </a:rPr>
+                            <m:t>2</m:t>
+                          </m:r>
+                        </m:sup>
+                      </m:sSup>
+                      <m:r>
+                        <a:rPr lang="fr-FR" i="1" smtClean="0">
+                          <a:latin typeface="Cambria Math" panose="02040503050406030204" pitchFamily="18" charset="0"/>
+                        </a:rPr>
+                        <m:t>+</m:t>
+                      </m:r>
+                      <m:f>
+                        <m:fPr>
+                          <m:ctrlPr>
+                            <a:rPr lang="fr-FR" i="1" smtClean="0">
+                              <a:latin typeface="Cambria Math" panose="02040503050406030204" pitchFamily="18" charset="0"/>
+                            </a:rPr>
+                          </m:ctrlPr>
+                        </m:fPr>
+                        <m:num>
+                          <m:r>
+                            <a:rPr lang="fr-FR" i="1" smtClean="0">
+                              <a:latin typeface="Cambria Math" panose="02040503050406030204" pitchFamily="18" charset="0"/>
+                            </a:rPr>
+                            <m:t>𝛴</m:t>
+                          </m:r>
+                        </m:num>
+                        <m:den>
+                          <m:r>
+                            <m:rPr>
+                              <m:sty m:val="p"/>
+                            </m:rPr>
+                            <a:rPr lang="fr-FR" i="1" smtClean="0">
+                              <a:latin typeface="Cambria Math" panose="02040503050406030204" pitchFamily="18" charset="0"/>
+                            </a:rPr>
+                            <m:t>Δ</m:t>
+                          </m:r>
+                        </m:den>
+                      </m:f>
+                      <m:r>
+                        <a:rPr lang="fr-FR" i="1" smtClean="0">
+                          <a:latin typeface="Cambria Math" panose="02040503050406030204" pitchFamily="18" charset="0"/>
+                        </a:rPr>
+                        <m:t>ⅆ</m:t>
+                      </m:r>
+                      <m:sSup>
+                        <m:sSupPr>
+                          <m:ctrlPr>
+                            <a:rPr lang="fr-FR" i="1" smtClean="0">
+                              <a:latin typeface="Cambria Math" panose="02040503050406030204" pitchFamily="18" charset="0"/>
+                            </a:rPr>
+                          </m:ctrlPr>
+                        </m:sSupPr>
+                        <m:e>
+                          <m:r>
+                            <a:rPr lang="fr-FR" i="1" smtClean="0">
+                              <a:latin typeface="Cambria Math" panose="02040503050406030204" pitchFamily="18" charset="0"/>
+                            </a:rPr>
+                            <m:t>𝑟</m:t>
+                          </m:r>
+                        </m:e>
+                        <m:sup>
+                          <m:r>
+                            <a:rPr lang="fr-FR" i="1" smtClean="0">
+                              <a:latin typeface="Cambria Math" panose="02040503050406030204" pitchFamily="18" charset="0"/>
+                            </a:rPr>
+                            <m:t>2</m:t>
+                          </m:r>
+                        </m:sup>
+                      </m:sSup>
+                      <m:r>
+                        <a:rPr lang="fr-FR" i="1" smtClean="0">
+                          <a:latin typeface="Cambria Math" panose="02040503050406030204" pitchFamily="18" charset="0"/>
+                        </a:rPr>
+                        <m:t>+</m:t>
+                      </m:r>
+                      <m:r>
+                        <a:rPr lang="fr-FR" i="1" smtClean="0">
+                          <a:latin typeface="Cambria Math" panose="02040503050406030204" pitchFamily="18" charset="0"/>
+                        </a:rPr>
+                        <m:t>𝛴</m:t>
+                      </m:r>
+                      <m:r>
+                        <a:rPr lang="fr-FR" i="1" smtClean="0">
+                          <a:latin typeface="Cambria Math" panose="02040503050406030204" pitchFamily="18" charset="0"/>
+                        </a:rPr>
+                        <m:t>ⅆ</m:t>
+                      </m:r>
+                      <m:sSup>
+                        <m:sSupPr>
+                          <m:ctrlPr>
+                            <a:rPr lang="fr-FR" i="1" smtClean="0">
+                              <a:latin typeface="Cambria Math" panose="02040503050406030204" pitchFamily="18" charset="0"/>
+                            </a:rPr>
+                          </m:ctrlPr>
+                        </m:sSupPr>
+                        <m:e>
+                          <m:r>
+                            <a:rPr lang="fr-FR" i="1" smtClean="0">
+                              <a:latin typeface="Cambria Math" panose="02040503050406030204" pitchFamily="18" charset="0"/>
+                            </a:rPr>
+                            <m:t>𝜃</m:t>
+                          </m:r>
+                        </m:e>
+                        <m:sup>
+                          <m:r>
+                            <a:rPr lang="fr-FR" i="1" smtClean="0">
+                              <a:latin typeface="Cambria Math" panose="02040503050406030204" pitchFamily="18" charset="0"/>
+                            </a:rPr>
+                            <m:t>2</m:t>
+                          </m:r>
+                        </m:sup>
+                      </m:sSup>
+                    </m:oMath>
+                  </m:oMathPara>
+                </a14:m>
+                <a:endParaRPr lang="fr-FR" dirty="0"/>
+              </a:p>
+            </p:txBody>
+          </p:sp>
+        </mc:Choice>
+        <mc:Fallback>
+          <p:sp>
+            <p:nvSpPr>
+              <p:cNvPr id="2" name="ZoneTexte 1">
+                <a:extLst>
+                  <a:ext uri="{FF2B5EF4-FFF2-40B4-BE49-F238E27FC236}">
+                    <a16:creationId xmlns:a16="http://schemas.microsoft.com/office/drawing/2014/main" id="{C992C25C-F9C7-42EE-93E3-9C5F37CA2259}"/>
+                  </a:ext>
+                </a:extLst>
+              </p:cNvPr>
+              <p:cNvSpPr txBox="1">
+                <a:spLocks noRot="1" noChangeAspect="1" noMove="1" noResize="1" noEditPoints="1" noAdjustHandles="1" noChangeArrowheads="1" noChangeShapeType="1" noTextEdit="1"/>
+              </p:cNvSpPr>
+              <p:nvPr/>
+            </p:nvSpPr>
+            <p:spPr>
+              <a:xfrm>
+                <a:off x="1562100" y="438150"/>
+                <a:ext cx="9467850" cy="646331"/>
+              </a:xfrm>
+              <a:prstGeom prst="rect">
+                <a:avLst/>
+              </a:prstGeom>
+              <a:blipFill>
+                <a:blip r:embed="rId2"/>
+                <a:stretch>
+                  <a:fillRect/>
+                </a:stretch>
+              </a:blipFill>
+            </p:spPr>
+            <p:txBody>
+              <a:bodyPr/>
+              <a:lstStyle/>
+              <a:p>
+                <a:r>
+                  <a:rPr lang="fr-FR">
+                    <a:noFill/>
+                  </a:rPr>
+                  <a:t> </a:t>
+                </a:r>
+              </a:p>
+            </p:txBody>
+          </p:sp>
+        </mc:Fallback>
+      </mc:AlternateContent>
+      <mc:AlternateContent xmlns:mc="http://schemas.openxmlformats.org/markup-compatibility/2006">
+        <mc:Choice xmlns:a14="http://schemas.microsoft.com/office/drawing/2010/main" Requires="a14">
+          <p:sp>
+            <p:nvSpPr>
+              <p:cNvPr id="3" name="ZoneTexte 2">
+                <a:extLst>
+                  <a:ext uri="{FF2B5EF4-FFF2-40B4-BE49-F238E27FC236}">
+                    <a16:creationId xmlns:a16="http://schemas.microsoft.com/office/drawing/2014/main" id="{432D92F6-F7F5-4AB3-88C2-396A753ED23E}"/>
+                  </a:ext>
+                </a:extLst>
+              </p:cNvPr>
+              <p:cNvSpPr txBox="1"/>
+              <p:nvPr/>
+            </p:nvSpPr>
+            <p:spPr>
+              <a:xfrm>
+                <a:off x="4638675" y="1409700"/>
+                <a:ext cx="3314700" cy="369332"/>
+              </a:xfrm>
+              <a:prstGeom prst="rect">
+                <a:avLst/>
+              </a:prstGeom>
+              <a:noFill/>
+            </p:spPr>
+            <p:txBody>
+              <a:bodyPr wrap="square" rtlCol="0">
+                <a:spAutoFit/>
+              </a:bodyPr>
+              <a:lstStyle/>
+              <a:p>
+                <a14:m>
+                  <m:oMathPara xmlns:m="http://schemas.openxmlformats.org/officeDocument/2006/math">
+                    <m:oMathParaPr>
+                      <m:jc m:val="centerGroup"/>
+                    </m:oMathParaPr>
+                    <m:oMath xmlns:m="http://schemas.openxmlformats.org/officeDocument/2006/math">
+                      <m:r>
+                        <m:rPr>
+                          <m:sty m:val="p"/>
+                        </m:rPr>
+                        <a:rPr lang="fr-FR" i="1" smtClean="0">
+                          <a:latin typeface="Cambria Math" panose="02040503050406030204" pitchFamily="18" charset="0"/>
+                        </a:rPr>
+                        <m:t>Δ</m:t>
+                      </m:r>
+                      <m:r>
+                        <a:rPr lang="fr-FR" i="1" smtClean="0">
+                          <a:latin typeface="Cambria Math" panose="02040503050406030204" pitchFamily="18" charset="0"/>
+                        </a:rPr>
+                        <m:t>=</m:t>
+                      </m:r>
+                      <m:sSup>
+                        <m:sSupPr>
+                          <m:ctrlPr>
+                            <a:rPr lang="fr-FR" i="1" smtClean="0">
+                              <a:latin typeface="Cambria Math" panose="02040503050406030204" pitchFamily="18" charset="0"/>
+                            </a:rPr>
+                          </m:ctrlPr>
+                        </m:sSupPr>
+                        <m:e>
+                          <m:r>
+                            <a:rPr lang="fr-FR" i="1" smtClean="0">
+                              <a:latin typeface="Cambria Math" panose="02040503050406030204" pitchFamily="18" charset="0"/>
+                            </a:rPr>
+                            <m:t>𝑟</m:t>
+                          </m:r>
+                        </m:e>
+                        <m:sup>
+                          <m:r>
+                            <a:rPr lang="fr-FR" i="1" smtClean="0">
+                              <a:latin typeface="Cambria Math" panose="02040503050406030204" pitchFamily="18" charset="0"/>
+                            </a:rPr>
+                            <m:t>2</m:t>
+                          </m:r>
+                        </m:sup>
+                      </m:sSup>
+                      <m:r>
+                        <a:rPr lang="fr-FR" i="1" smtClean="0">
+                          <a:latin typeface="Cambria Math" panose="02040503050406030204" pitchFamily="18" charset="0"/>
+                        </a:rPr>
+                        <m:t>−2</m:t>
+                      </m:r>
+                      <m:r>
+                        <a:rPr lang="fr-FR" i="1" smtClean="0">
+                          <a:latin typeface="Cambria Math" panose="02040503050406030204" pitchFamily="18" charset="0"/>
+                        </a:rPr>
+                        <m:t>𝑀𝑟</m:t>
+                      </m:r>
+                      <m:r>
+                        <a:rPr lang="fr-FR" i="1" smtClean="0">
+                          <a:latin typeface="Cambria Math" panose="02040503050406030204" pitchFamily="18" charset="0"/>
+                        </a:rPr>
+                        <m:t>+</m:t>
+                      </m:r>
+                      <m:sSup>
+                        <m:sSupPr>
+                          <m:ctrlPr>
+                            <a:rPr lang="fr-FR" i="1" smtClean="0">
+                              <a:latin typeface="Cambria Math" panose="02040503050406030204" pitchFamily="18" charset="0"/>
+                            </a:rPr>
+                          </m:ctrlPr>
+                        </m:sSupPr>
+                        <m:e>
+                          <m:r>
+                            <a:rPr lang="fr-FR" i="1" smtClean="0">
+                              <a:latin typeface="Cambria Math" panose="02040503050406030204" pitchFamily="18" charset="0"/>
+                            </a:rPr>
+                            <m:t>𝑎</m:t>
+                          </m:r>
+                        </m:e>
+                        <m:sup>
+                          <m:r>
+                            <a:rPr lang="fr-FR" i="1" smtClean="0">
+                              <a:latin typeface="Cambria Math" panose="02040503050406030204" pitchFamily="18" charset="0"/>
+                            </a:rPr>
+                            <m:t>2</m:t>
+                          </m:r>
+                        </m:sup>
+                      </m:sSup>
+                    </m:oMath>
+                  </m:oMathPara>
+                </a14:m>
+                <a:endParaRPr lang="fr-FR" dirty="0"/>
+              </a:p>
+            </p:txBody>
+          </p:sp>
+        </mc:Choice>
+        <mc:Fallback>
+          <p:sp>
+            <p:nvSpPr>
+              <p:cNvPr id="3" name="ZoneTexte 2">
+                <a:extLst>
+                  <a:ext uri="{FF2B5EF4-FFF2-40B4-BE49-F238E27FC236}">
+                    <a16:creationId xmlns:a16="http://schemas.microsoft.com/office/drawing/2014/main" id="{432D92F6-F7F5-4AB3-88C2-396A753ED23E}"/>
+                  </a:ext>
+                </a:extLst>
+              </p:cNvPr>
+              <p:cNvSpPr txBox="1">
+                <a:spLocks noRot="1" noChangeAspect="1" noMove="1" noResize="1" noEditPoints="1" noAdjustHandles="1" noChangeArrowheads="1" noChangeShapeType="1" noTextEdit="1"/>
+              </p:cNvSpPr>
+              <p:nvPr/>
+            </p:nvSpPr>
+            <p:spPr>
+              <a:xfrm>
+                <a:off x="4638675" y="1409700"/>
+                <a:ext cx="3314700" cy="369332"/>
+              </a:xfrm>
+              <a:prstGeom prst="rect">
+                <a:avLst/>
+              </a:prstGeom>
+              <a:blipFill>
+                <a:blip r:embed="rId3"/>
+                <a:stretch>
+                  <a:fillRect/>
+                </a:stretch>
+              </a:blipFill>
+            </p:spPr>
+            <p:txBody>
+              <a:bodyPr/>
+              <a:lstStyle/>
+              <a:p>
+                <a:r>
+                  <a:rPr lang="fr-FR">
+                    <a:noFill/>
+                  </a:rPr>
+                  <a:t> </a:t>
+                </a:r>
+              </a:p>
+            </p:txBody>
+          </p:sp>
+        </mc:Fallback>
+      </mc:AlternateContent>
+      <mc:AlternateContent xmlns:mc="http://schemas.openxmlformats.org/markup-compatibility/2006">
+        <mc:Choice xmlns:a14="http://schemas.microsoft.com/office/drawing/2010/main" Requires="a14">
+          <p:sp>
+            <p:nvSpPr>
+              <p:cNvPr id="4" name="ZoneTexte 3">
+                <a:extLst>
+                  <a:ext uri="{FF2B5EF4-FFF2-40B4-BE49-F238E27FC236}">
+                    <a16:creationId xmlns:a16="http://schemas.microsoft.com/office/drawing/2014/main" id="{0D8D41AF-5A1D-40D2-A7AA-4EF7D5AA7416}"/>
+                  </a:ext>
+                </a:extLst>
+              </p:cNvPr>
+              <p:cNvSpPr txBox="1"/>
+              <p:nvPr/>
+            </p:nvSpPr>
+            <p:spPr>
+              <a:xfrm>
+                <a:off x="4171950" y="2104251"/>
+                <a:ext cx="4248150" cy="369332"/>
+              </a:xfrm>
+              <a:prstGeom prst="rect">
+                <a:avLst/>
+              </a:prstGeom>
+              <a:noFill/>
+            </p:spPr>
+            <p:txBody>
+              <a:bodyPr wrap="square" rtlCol="0">
+                <a:spAutoFit/>
+              </a:bodyPr>
+              <a:lstStyle/>
+              <a:p>
+                <a14:m>
+                  <m:oMathPara xmlns:m="http://schemas.openxmlformats.org/officeDocument/2006/math">
+                    <m:oMathParaPr>
+                      <m:jc m:val="centerGroup"/>
+                    </m:oMathParaPr>
+                    <m:oMath xmlns:m="http://schemas.openxmlformats.org/officeDocument/2006/math">
+                      <m:r>
+                        <a:rPr lang="fr-FR" i="1" smtClean="0">
+                          <a:latin typeface="Cambria Math" panose="02040503050406030204" pitchFamily="18" charset="0"/>
+                        </a:rPr>
+                        <m:t>𝛴</m:t>
+                      </m:r>
+                      <m:r>
+                        <a:rPr lang="fr-FR" i="1" smtClean="0">
+                          <a:latin typeface="Cambria Math" panose="02040503050406030204" pitchFamily="18" charset="0"/>
+                        </a:rPr>
+                        <m:t>=</m:t>
+                      </m:r>
+                      <m:sSup>
+                        <m:sSupPr>
+                          <m:ctrlPr>
+                            <a:rPr lang="fr-FR" i="1" smtClean="0">
+                              <a:latin typeface="Cambria Math" panose="02040503050406030204" pitchFamily="18" charset="0"/>
+                            </a:rPr>
+                          </m:ctrlPr>
+                        </m:sSupPr>
+                        <m:e>
+                          <m:r>
+                            <a:rPr lang="fr-FR" i="1" smtClean="0">
+                              <a:latin typeface="Cambria Math" panose="02040503050406030204" pitchFamily="18" charset="0"/>
+                            </a:rPr>
+                            <m:t>𝑟</m:t>
+                          </m:r>
+                        </m:e>
+                        <m:sup>
+                          <m:r>
+                            <a:rPr lang="fr-FR" i="1" smtClean="0">
+                              <a:latin typeface="Cambria Math" panose="02040503050406030204" pitchFamily="18" charset="0"/>
+                            </a:rPr>
+                            <m:t>2</m:t>
+                          </m:r>
+                        </m:sup>
+                      </m:sSup>
+                      <m:r>
+                        <a:rPr lang="fr-FR" i="1" smtClean="0">
+                          <a:latin typeface="Cambria Math" panose="02040503050406030204" pitchFamily="18" charset="0"/>
+                        </a:rPr>
+                        <m:t>+</m:t>
+                      </m:r>
+                      <m:sSup>
+                        <m:sSupPr>
+                          <m:ctrlPr>
+                            <a:rPr lang="fr-FR" i="1" smtClean="0">
+                              <a:latin typeface="Cambria Math" panose="02040503050406030204" pitchFamily="18" charset="0"/>
+                            </a:rPr>
+                          </m:ctrlPr>
+                        </m:sSupPr>
+                        <m:e>
+                          <m:r>
+                            <a:rPr lang="fr-FR" i="1" smtClean="0">
+                              <a:latin typeface="Cambria Math" panose="02040503050406030204" pitchFamily="18" charset="0"/>
+                            </a:rPr>
+                            <m:t>𝑎</m:t>
+                          </m:r>
+                        </m:e>
+                        <m:sup>
+                          <m:r>
+                            <a:rPr lang="fr-FR" i="1" smtClean="0">
+                              <a:latin typeface="Cambria Math" panose="02040503050406030204" pitchFamily="18" charset="0"/>
+                            </a:rPr>
+                            <m:t>2</m:t>
+                          </m:r>
+                        </m:sup>
+                      </m:sSup>
+                      <m:func>
+                        <m:funcPr>
+                          <m:ctrlPr>
+                            <a:rPr lang="fr-FR" i="1" smtClean="0">
+                              <a:latin typeface="Cambria Math" panose="02040503050406030204" pitchFamily="18" charset="0"/>
+                            </a:rPr>
+                          </m:ctrlPr>
+                        </m:funcPr>
+                        <m:fName>
+                          <m:sSup>
+                            <m:sSupPr>
+                              <m:ctrlPr>
+                                <a:rPr lang="fr-FR" i="1" smtClean="0">
+                                  <a:latin typeface="Cambria Math" panose="02040503050406030204" pitchFamily="18" charset="0"/>
+                                </a:rPr>
+                              </m:ctrlPr>
+                            </m:sSupPr>
+                            <m:e>
+                              <m:r>
+                                <m:rPr>
+                                  <m:sty m:val="p"/>
+                                </m:rPr>
+                                <a:rPr lang="fr-FR" i="1" smtClean="0">
+                                  <a:latin typeface="Cambria Math" panose="02040503050406030204" pitchFamily="18" charset="0"/>
+                                </a:rPr>
+                                <m:t>cos</m:t>
+                              </m:r>
+                            </m:e>
+                            <m:sup>
+                              <m:r>
+                                <a:rPr lang="fr-FR" i="1" smtClean="0">
+                                  <a:latin typeface="Cambria Math" panose="02040503050406030204" pitchFamily="18" charset="0"/>
+                                </a:rPr>
+                                <m:t>2</m:t>
+                              </m:r>
+                            </m:sup>
+                          </m:sSup>
+                        </m:fName>
+                        <m:e>
+                          <m:r>
+                            <a:rPr lang="fr-FR" i="1" smtClean="0">
+                              <a:latin typeface="Cambria Math" panose="02040503050406030204" pitchFamily="18" charset="0"/>
+                            </a:rPr>
+                            <m:t>𝜃</m:t>
+                          </m:r>
+                        </m:e>
+                      </m:func>
+                    </m:oMath>
+                  </m:oMathPara>
+                </a14:m>
+                <a:endParaRPr lang="fr-FR" dirty="0"/>
+              </a:p>
+            </p:txBody>
+          </p:sp>
+        </mc:Choice>
+        <mc:Fallback>
+          <p:sp>
+            <p:nvSpPr>
+              <p:cNvPr id="4" name="ZoneTexte 3">
+                <a:extLst>
+                  <a:ext uri="{FF2B5EF4-FFF2-40B4-BE49-F238E27FC236}">
+                    <a16:creationId xmlns:a16="http://schemas.microsoft.com/office/drawing/2014/main" id="{0D8D41AF-5A1D-40D2-A7AA-4EF7D5AA7416}"/>
+                  </a:ext>
+                </a:extLst>
+              </p:cNvPr>
+              <p:cNvSpPr txBox="1">
+                <a:spLocks noRot="1" noChangeAspect="1" noMove="1" noResize="1" noEditPoints="1" noAdjustHandles="1" noChangeArrowheads="1" noChangeShapeType="1" noTextEdit="1"/>
+              </p:cNvSpPr>
+              <p:nvPr/>
+            </p:nvSpPr>
+            <p:spPr>
+              <a:xfrm>
+                <a:off x="4171950" y="2104251"/>
+                <a:ext cx="4248150" cy="369332"/>
+              </a:xfrm>
+              <a:prstGeom prst="rect">
+                <a:avLst/>
+              </a:prstGeom>
+              <a:blipFill>
+                <a:blip r:embed="rId4"/>
+                <a:stretch>
+                  <a:fillRect/>
+                </a:stretch>
+              </a:blipFill>
+            </p:spPr>
+            <p:txBody>
+              <a:bodyPr/>
+              <a:lstStyle/>
+              <a:p>
+                <a:r>
+                  <a:rPr lang="fr-FR">
+                    <a:noFill/>
+                  </a:rPr>
+                  <a:t> </a:t>
+                </a:r>
+              </a:p>
+            </p:txBody>
+          </p:sp>
+        </mc:Fallback>
+      </mc:AlternateContent>
+      <mc:AlternateContent xmlns:mc="http://schemas.openxmlformats.org/markup-compatibility/2006">
+        <mc:Choice xmlns:a14="http://schemas.microsoft.com/office/drawing/2010/main" Requires="a14">
+          <p:sp>
+            <p:nvSpPr>
+              <p:cNvPr id="5" name="ZoneTexte 4">
+                <a:extLst>
+                  <a:ext uri="{FF2B5EF4-FFF2-40B4-BE49-F238E27FC236}">
+                    <a16:creationId xmlns:a16="http://schemas.microsoft.com/office/drawing/2014/main" id="{9B0071B1-3D81-4611-9015-AE3F8990DB25}"/>
+                  </a:ext>
+                </a:extLst>
+              </p:cNvPr>
+              <p:cNvSpPr txBox="1"/>
+              <p:nvPr/>
+            </p:nvSpPr>
+            <p:spPr>
+              <a:xfrm>
+                <a:off x="1390650" y="2781300"/>
+                <a:ext cx="9467850" cy="610936"/>
+              </a:xfrm>
+              <a:prstGeom prst="rect">
+                <a:avLst/>
+              </a:prstGeom>
+              <a:noFill/>
+            </p:spPr>
+            <p:txBody>
+              <a:bodyPr wrap="square" rtlCol="0">
+                <a:spAutoFit/>
+              </a:bodyPr>
+              <a:lstStyle/>
+              <a:p>
+                <a14:m>
+                  <m:oMathPara xmlns:m="http://schemas.openxmlformats.org/officeDocument/2006/math">
+                    <m:oMathParaPr>
+                      <m:jc m:val="centerGroup"/>
+                    </m:oMathParaPr>
+                    <m:oMath xmlns:m="http://schemas.openxmlformats.org/officeDocument/2006/math">
+                      <m:sSup>
+                        <m:sSupPr>
+                          <m:ctrlPr>
+                            <a:rPr lang="fr-FR" i="1" smtClean="0">
+                              <a:latin typeface="Cambria Math" panose="02040503050406030204" pitchFamily="18" charset="0"/>
+                            </a:rPr>
+                          </m:ctrlPr>
+                        </m:sSupPr>
+                        <m:e>
+                          <m:r>
+                            <a:rPr lang="fr-FR" i="1" smtClean="0">
+                              <a:latin typeface="Cambria Math" panose="02040503050406030204" pitchFamily="18" charset="0"/>
+                            </a:rPr>
+                            <m:t>𝑟</m:t>
+                          </m:r>
+                        </m:e>
+                        <m:sup>
+                          <m:r>
+                            <a:rPr lang="fr-FR" i="1" smtClean="0">
+                              <a:latin typeface="Cambria Math" panose="02040503050406030204" pitchFamily="18" charset="0"/>
+                            </a:rPr>
+                            <m:t>′</m:t>
+                          </m:r>
+                        </m:sup>
+                      </m:sSup>
+                      <m:r>
+                        <a:rPr lang="fr-FR" i="1" smtClean="0">
+                          <a:latin typeface="Cambria Math" panose="02040503050406030204" pitchFamily="18" charset="0"/>
+                        </a:rPr>
+                        <m:t>=</m:t>
+                      </m:r>
+                      <m:f>
+                        <m:fPr>
+                          <m:ctrlPr>
+                            <a:rPr lang="fr-FR" i="1" smtClean="0">
+                              <a:latin typeface="Cambria Math" panose="02040503050406030204" pitchFamily="18" charset="0"/>
+                            </a:rPr>
+                          </m:ctrlPr>
+                        </m:fPr>
+                        <m:num>
+                          <m:r>
+                            <m:rPr>
+                              <m:sty m:val="p"/>
+                            </m:rPr>
+                            <a:rPr lang="fr-FR" i="1" smtClean="0">
+                              <a:latin typeface="Cambria Math" panose="02040503050406030204" pitchFamily="18" charset="0"/>
+                            </a:rPr>
+                            <m:t>Δ</m:t>
+                          </m:r>
+                        </m:num>
+                        <m:den>
+                          <m:r>
+                            <a:rPr lang="fr-FR" i="1" smtClean="0">
+                              <a:latin typeface="Cambria Math" panose="02040503050406030204" pitchFamily="18" charset="0"/>
+                            </a:rPr>
+                            <m:t>𝛴</m:t>
+                          </m:r>
+                        </m:den>
+                      </m:f>
+                      <m:sSub>
+                        <m:sSubPr>
+                          <m:ctrlPr>
+                            <a:rPr lang="fr-FR" i="1" smtClean="0">
+                              <a:latin typeface="Cambria Math" panose="02040503050406030204" pitchFamily="18" charset="0"/>
+                            </a:rPr>
+                          </m:ctrlPr>
+                        </m:sSubPr>
+                        <m:e>
+                          <m:r>
+                            <a:rPr lang="fr-FR" i="1" smtClean="0">
+                              <a:latin typeface="Cambria Math" panose="02040503050406030204" pitchFamily="18" charset="0"/>
+                            </a:rPr>
+                            <m:t>𝑝</m:t>
+                          </m:r>
+                        </m:e>
+                        <m:sub>
+                          <m:r>
+                            <a:rPr lang="fr-FR" i="1" smtClean="0">
+                              <a:latin typeface="Cambria Math" panose="02040503050406030204" pitchFamily="18" charset="0"/>
+                            </a:rPr>
+                            <m:t>𝑟</m:t>
+                          </m:r>
+                        </m:sub>
+                      </m:sSub>
+                    </m:oMath>
+                  </m:oMathPara>
+                </a14:m>
+                <a:endParaRPr lang="fr-FR" dirty="0"/>
+              </a:p>
+            </p:txBody>
+          </p:sp>
+        </mc:Choice>
+        <mc:Fallback>
+          <p:sp>
+            <p:nvSpPr>
+              <p:cNvPr id="5" name="ZoneTexte 4">
+                <a:extLst>
+                  <a:ext uri="{FF2B5EF4-FFF2-40B4-BE49-F238E27FC236}">
+                    <a16:creationId xmlns:a16="http://schemas.microsoft.com/office/drawing/2014/main" id="{9B0071B1-3D81-4611-9015-AE3F8990DB25}"/>
+                  </a:ext>
+                </a:extLst>
+              </p:cNvPr>
+              <p:cNvSpPr txBox="1">
+                <a:spLocks noRot="1" noChangeAspect="1" noMove="1" noResize="1" noEditPoints="1" noAdjustHandles="1" noChangeArrowheads="1" noChangeShapeType="1" noTextEdit="1"/>
+              </p:cNvSpPr>
+              <p:nvPr/>
+            </p:nvSpPr>
+            <p:spPr>
+              <a:xfrm>
+                <a:off x="1390650" y="2781300"/>
+                <a:ext cx="9467850" cy="610936"/>
+              </a:xfrm>
+              <a:prstGeom prst="rect">
+                <a:avLst/>
+              </a:prstGeom>
+              <a:blipFill>
+                <a:blip r:embed="rId5"/>
+                <a:stretch>
+                  <a:fillRect/>
+                </a:stretch>
+              </a:blipFill>
+            </p:spPr>
+            <p:txBody>
+              <a:bodyPr/>
+              <a:lstStyle/>
+              <a:p>
+                <a:r>
+                  <a:rPr lang="fr-FR">
+                    <a:noFill/>
+                  </a:rPr>
+                  <a:t> </a:t>
+                </a:r>
+              </a:p>
+            </p:txBody>
+          </p:sp>
+        </mc:Fallback>
+      </mc:AlternateContent>
+      <mc:AlternateContent xmlns:mc="http://schemas.openxmlformats.org/markup-compatibility/2006">
+        <mc:Choice xmlns:a14="http://schemas.microsoft.com/office/drawing/2010/main" Requires="a14">
+          <p:sp>
+            <p:nvSpPr>
+              <p:cNvPr id="6" name="ZoneTexte 5">
+                <a:extLst>
+                  <a:ext uri="{FF2B5EF4-FFF2-40B4-BE49-F238E27FC236}">
+                    <a16:creationId xmlns:a16="http://schemas.microsoft.com/office/drawing/2014/main" id="{BA409AE4-10ED-4E49-9ACC-5C32D6D1AAEF}"/>
+                  </a:ext>
+                </a:extLst>
+              </p:cNvPr>
+              <p:cNvSpPr txBox="1"/>
+              <p:nvPr/>
+            </p:nvSpPr>
+            <p:spPr>
+              <a:xfrm>
+                <a:off x="2571750" y="3496446"/>
+                <a:ext cx="7105650" cy="610936"/>
+              </a:xfrm>
+              <a:prstGeom prst="rect">
+                <a:avLst/>
+              </a:prstGeom>
+              <a:noFill/>
+            </p:spPr>
+            <p:txBody>
+              <a:bodyPr wrap="square" rtlCol="0">
+                <a:spAutoFit/>
+              </a:bodyPr>
+              <a:lstStyle/>
+              <a:p>
+                <a14:m>
+                  <m:oMathPara xmlns:m="http://schemas.openxmlformats.org/officeDocument/2006/math">
+                    <m:oMathParaPr>
+                      <m:jc m:val="centerGroup"/>
+                    </m:oMathParaPr>
+                    <m:oMath xmlns:m="http://schemas.openxmlformats.org/officeDocument/2006/math">
+                      <m:sSup>
+                        <m:sSupPr>
+                          <m:ctrlPr>
+                            <a:rPr lang="fr-FR" i="1" smtClean="0">
+                              <a:latin typeface="Cambria Math" panose="02040503050406030204" pitchFamily="18" charset="0"/>
+                            </a:rPr>
+                          </m:ctrlPr>
+                        </m:sSupPr>
+                        <m:e>
+                          <m:r>
+                            <a:rPr lang="fr-FR" i="1" smtClean="0">
+                              <a:latin typeface="Cambria Math" panose="02040503050406030204" pitchFamily="18" charset="0"/>
+                            </a:rPr>
+                            <m:t>𝜃</m:t>
+                          </m:r>
+                        </m:e>
+                        <m:sup>
+                          <m:r>
+                            <a:rPr lang="fr-FR" i="1" smtClean="0">
+                              <a:latin typeface="Cambria Math" panose="02040503050406030204" pitchFamily="18" charset="0"/>
+                            </a:rPr>
+                            <m:t>′</m:t>
+                          </m:r>
+                        </m:sup>
+                      </m:sSup>
+                      <m:r>
+                        <a:rPr lang="fr-FR" i="1" smtClean="0">
+                          <a:latin typeface="Cambria Math" panose="02040503050406030204" pitchFamily="18" charset="0"/>
+                        </a:rPr>
+                        <m:t>=</m:t>
+                      </m:r>
+                      <m:f>
+                        <m:fPr>
+                          <m:ctrlPr>
+                            <a:rPr lang="fr-FR" i="1" smtClean="0">
+                              <a:latin typeface="Cambria Math" panose="02040503050406030204" pitchFamily="18" charset="0"/>
+                            </a:rPr>
+                          </m:ctrlPr>
+                        </m:fPr>
+                        <m:num>
+                          <m:r>
+                            <a:rPr lang="fr-FR" i="1" smtClean="0">
+                              <a:latin typeface="Cambria Math" panose="02040503050406030204" pitchFamily="18" charset="0"/>
+                            </a:rPr>
+                            <m:t>1</m:t>
+                          </m:r>
+                        </m:num>
+                        <m:den>
+                          <m:r>
+                            <a:rPr lang="fr-FR" i="1" smtClean="0">
+                              <a:latin typeface="Cambria Math" panose="02040503050406030204" pitchFamily="18" charset="0"/>
+                            </a:rPr>
+                            <m:t>𝛴</m:t>
+                          </m:r>
+                        </m:den>
+                      </m:f>
+                      <m:sSub>
+                        <m:sSubPr>
+                          <m:ctrlPr>
+                            <a:rPr lang="fr-FR" i="1" smtClean="0">
+                              <a:latin typeface="Cambria Math" panose="02040503050406030204" pitchFamily="18" charset="0"/>
+                            </a:rPr>
+                          </m:ctrlPr>
+                        </m:sSubPr>
+                        <m:e>
+                          <m:r>
+                            <a:rPr lang="fr-FR" i="1" smtClean="0">
+                              <a:latin typeface="Cambria Math" panose="02040503050406030204" pitchFamily="18" charset="0"/>
+                            </a:rPr>
+                            <m:t>𝑝</m:t>
+                          </m:r>
+                        </m:e>
+                        <m:sub>
+                          <m:r>
+                            <a:rPr lang="fr-FR" i="1" smtClean="0">
+                              <a:latin typeface="Cambria Math" panose="02040503050406030204" pitchFamily="18" charset="0"/>
+                            </a:rPr>
+                            <m:t>𝜃</m:t>
+                          </m:r>
+                        </m:sub>
+                      </m:sSub>
+                    </m:oMath>
+                  </m:oMathPara>
+                </a14:m>
+                <a:endParaRPr lang="fr-FR" dirty="0"/>
+              </a:p>
+            </p:txBody>
+          </p:sp>
+        </mc:Choice>
+        <mc:Fallback>
+          <p:sp>
+            <p:nvSpPr>
+              <p:cNvPr id="6" name="ZoneTexte 5">
+                <a:extLst>
+                  <a:ext uri="{FF2B5EF4-FFF2-40B4-BE49-F238E27FC236}">
+                    <a16:creationId xmlns:a16="http://schemas.microsoft.com/office/drawing/2014/main" id="{BA409AE4-10ED-4E49-9ACC-5C32D6D1AAEF}"/>
+                  </a:ext>
+                </a:extLst>
+              </p:cNvPr>
+              <p:cNvSpPr txBox="1">
+                <a:spLocks noRot="1" noChangeAspect="1" noMove="1" noResize="1" noEditPoints="1" noAdjustHandles="1" noChangeArrowheads="1" noChangeShapeType="1" noTextEdit="1"/>
+              </p:cNvSpPr>
+              <p:nvPr/>
+            </p:nvSpPr>
+            <p:spPr>
+              <a:xfrm>
+                <a:off x="2571750" y="3496446"/>
+                <a:ext cx="7105650" cy="610936"/>
+              </a:xfrm>
+              <a:prstGeom prst="rect">
+                <a:avLst/>
+              </a:prstGeom>
+              <a:blipFill>
+                <a:blip r:embed="rId6"/>
+                <a:stretch>
+                  <a:fillRect/>
+                </a:stretch>
+              </a:blipFill>
+            </p:spPr>
+            <p:txBody>
+              <a:bodyPr/>
+              <a:lstStyle/>
+              <a:p>
+                <a:r>
+                  <a:rPr lang="fr-FR">
+                    <a:noFill/>
+                  </a:rPr>
+                  <a:t> </a:t>
+                </a:r>
+              </a:p>
+            </p:txBody>
+          </p:sp>
+        </mc:Fallback>
+      </mc:AlternateContent>
+      <mc:AlternateContent xmlns:mc="http://schemas.openxmlformats.org/markup-compatibility/2006">
+        <mc:Choice xmlns:a14="http://schemas.microsoft.com/office/drawing/2010/main" Requires="a14">
+          <p:sp>
+            <p:nvSpPr>
+              <p:cNvPr id="7" name="ZoneTexte 6">
+                <a:extLst>
+                  <a:ext uri="{FF2B5EF4-FFF2-40B4-BE49-F238E27FC236}">
+                    <a16:creationId xmlns:a16="http://schemas.microsoft.com/office/drawing/2014/main" id="{52BFA3BA-4FEF-4333-A830-9EA0217D4707}"/>
+                  </a:ext>
+                </a:extLst>
+              </p:cNvPr>
+              <p:cNvSpPr txBox="1"/>
+              <p:nvPr/>
+            </p:nvSpPr>
+            <p:spPr>
+              <a:xfrm>
+                <a:off x="1562100" y="4107382"/>
+                <a:ext cx="7105650" cy="806631"/>
+              </a:xfrm>
+              <a:prstGeom prst="rect">
+                <a:avLst/>
+              </a:prstGeom>
+              <a:noFill/>
+            </p:spPr>
+            <p:txBody>
+              <a:bodyPr wrap="square" rtlCol="0">
+                <a:spAutoFit/>
+              </a:bodyPr>
+              <a:lstStyle/>
+              <a:p>
+                <a14:m>
+                  <m:oMathPara xmlns:m="http://schemas.openxmlformats.org/officeDocument/2006/math">
+                    <m:oMathParaPr>
+                      <m:jc m:val="centerGroup"/>
+                    </m:oMathParaPr>
+                    <m:oMath xmlns:m="http://schemas.openxmlformats.org/officeDocument/2006/math">
+                      <m:sSup>
+                        <m:sSupPr>
+                          <m:ctrlPr>
+                            <a:rPr lang="fr-FR" i="1" smtClean="0">
+                              <a:latin typeface="Cambria Math" panose="02040503050406030204" pitchFamily="18" charset="0"/>
+                            </a:rPr>
+                          </m:ctrlPr>
+                        </m:sSupPr>
+                        <m:e>
+                          <m:r>
+                            <a:rPr lang="fr-FR" i="1" smtClean="0">
+                              <a:latin typeface="Cambria Math" panose="02040503050406030204" pitchFamily="18" charset="0"/>
+                            </a:rPr>
+                            <m:t>𝜙</m:t>
+                          </m:r>
+                        </m:e>
+                        <m:sup>
+                          <m:r>
+                            <a:rPr lang="fr-FR" i="1" smtClean="0">
+                              <a:latin typeface="Cambria Math" panose="02040503050406030204" pitchFamily="18" charset="0"/>
+                            </a:rPr>
+                            <m:t>′</m:t>
+                          </m:r>
+                        </m:sup>
+                      </m:sSup>
+                      <m:r>
+                        <a:rPr lang="fr-FR" i="1" smtClean="0">
+                          <a:latin typeface="Cambria Math" panose="02040503050406030204" pitchFamily="18" charset="0"/>
+                        </a:rPr>
+                        <m:t>=</m:t>
+                      </m:r>
+                      <m:f>
+                        <m:fPr>
+                          <m:ctrlPr>
+                            <a:rPr lang="fr-FR" i="1" smtClean="0">
+                              <a:latin typeface="Cambria Math" panose="02040503050406030204" pitchFamily="18" charset="0"/>
+                            </a:rPr>
+                          </m:ctrlPr>
+                        </m:fPr>
+                        <m:num>
+                          <m:r>
+                            <a:rPr lang="fr-FR" i="1" smtClean="0">
+                              <a:latin typeface="Cambria Math" panose="02040503050406030204" pitchFamily="18" charset="0"/>
+                            </a:rPr>
+                            <m:t>2</m:t>
+                          </m:r>
+                          <m:r>
+                            <a:rPr lang="fr-FR" i="1" smtClean="0">
+                              <a:latin typeface="Cambria Math" panose="02040503050406030204" pitchFamily="18" charset="0"/>
+                            </a:rPr>
+                            <m:t>𝑎𝑟</m:t>
+                          </m:r>
+                          <m:r>
+                            <a:rPr lang="fr-FR" i="1" smtClean="0">
+                              <a:latin typeface="Cambria Math" panose="02040503050406030204" pitchFamily="18" charset="0"/>
+                            </a:rPr>
+                            <m:t>+</m:t>
+                          </m:r>
+                          <m:d>
+                            <m:dPr>
+                              <m:ctrlPr>
+                                <a:rPr lang="fr-FR" i="1" smtClean="0">
+                                  <a:latin typeface="Cambria Math" panose="02040503050406030204" pitchFamily="18" charset="0"/>
+                                </a:rPr>
+                              </m:ctrlPr>
+                            </m:dPr>
+                            <m:e>
+                              <m:r>
+                                <a:rPr lang="fr-FR" i="1" smtClean="0">
+                                  <a:latin typeface="Cambria Math" panose="02040503050406030204" pitchFamily="18" charset="0"/>
+                                </a:rPr>
+                                <m:t>𝛴</m:t>
+                              </m:r>
+                              <m:r>
+                                <a:rPr lang="fr-FR" i="1" smtClean="0">
+                                  <a:latin typeface="Cambria Math" panose="02040503050406030204" pitchFamily="18" charset="0"/>
+                                </a:rPr>
+                                <m:t>−2</m:t>
+                              </m:r>
+                              <m:r>
+                                <a:rPr lang="fr-FR" i="1" smtClean="0">
+                                  <a:latin typeface="Cambria Math" panose="02040503050406030204" pitchFamily="18" charset="0"/>
+                                </a:rPr>
+                                <m:t>𝑟</m:t>
+                              </m:r>
+                            </m:e>
+                          </m:d>
+                          <m:f>
+                            <m:fPr>
+                              <m:ctrlPr>
+                                <a:rPr lang="fr-FR" i="1" smtClean="0">
+                                  <a:latin typeface="Cambria Math" panose="02040503050406030204" pitchFamily="18" charset="0"/>
+                                </a:rPr>
+                              </m:ctrlPr>
+                            </m:fPr>
+                            <m:num>
+                              <m:r>
+                                <a:rPr lang="fr-FR" i="1" smtClean="0">
+                                  <a:latin typeface="Cambria Math" panose="02040503050406030204" pitchFamily="18" charset="0"/>
+                                </a:rPr>
+                                <m:t>𝐿</m:t>
+                              </m:r>
+                            </m:num>
+                            <m:den>
+                              <m:func>
+                                <m:funcPr>
+                                  <m:ctrlPr>
+                                    <a:rPr lang="fr-FR" i="1" smtClean="0">
+                                      <a:latin typeface="Cambria Math" panose="02040503050406030204" pitchFamily="18" charset="0"/>
+                                    </a:rPr>
+                                  </m:ctrlPr>
+                                </m:funcPr>
+                                <m:fName>
+                                  <m:sSup>
+                                    <m:sSupPr>
+                                      <m:ctrlPr>
+                                        <a:rPr lang="fr-FR" i="1" smtClean="0">
+                                          <a:latin typeface="Cambria Math" panose="02040503050406030204" pitchFamily="18" charset="0"/>
+                                        </a:rPr>
+                                      </m:ctrlPr>
+                                    </m:sSupPr>
+                                    <m:e>
+                                      <m:r>
+                                        <m:rPr>
+                                          <m:sty m:val="p"/>
+                                        </m:rPr>
+                                        <a:rPr lang="fr-FR" i="1" smtClean="0">
+                                          <a:latin typeface="Cambria Math" panose="02040503050406030204" pitchFamily="18" charset="0"/>
+                                        </a:rPr>
+                                        <m:t>sin</m:t>
+                                      </m:r>
+                                    </m:e>
+                                    <m:sup>
+                                      <m:r>
+                                        <a:rPr lang="fr-FR" i="1" smtClean="0">
+                                          <a:latin typeface="Cambria Math" panose="02040503050406030204" pitchFamily="18" charset="0"/>
+                                        </a:rPr>
+                                        <m:t>2</m:t>
+                                      </m:r>
+                                    </m:sup>
+                                  </m:sSup>
+                                </m:fName>
+                                <m:e>
+                                  <m:r>
+                                    <a:rPr lang="fr-FR" i="1" smtClean="0">
+                                      <a:latin typeface="Cambria Math" panose="02040503050406030204" pitchFamily="18" charset="0"/>
+                                    </a:rPr>
+                                    <m:t>𝜃</m:t>
+                                  </m:r>
+                                </m:e>
+                              </m:func>
+                            </m:den>
+                          </m:f>
+                        </m:num>
+                        <m:den>
+                          <m:r>
+                            <m:rPr>
+                              <m:sty m:val="p"/>
+                            </m:rPr>
+                            <a:rPr lang="fr-FR" i="1" smtClean="0">
+                              <a:latin typeface="Cambria Math" panose="02040503050406030204" pitchFamily="18" charset="0"/>
+                            </a:rPr>
+                            <m:t>Δ</m:t>
+                          </m:r>
+                          <m:r>
+                            <a:rPr lang="fr-FR" i="1" smtClean="0">
+                              <a:latin typeface="Cambria Math" panose="02040503050406030204" pitchFamily="18" charset="0"/>
+                            </a:rPr>
+                            <m:t>𝛴</m:t>
+                          </m:r>
+                        </m:den>
+                      </m:f>
+                    </m:oMath>
+                  </m:oMathPara>
+                </a14:m>
+                <a:endParaRPr lang="fr-FR" dirty="0"/>
+              </a:p>
+            </p:txBody>
+          </p:sp>
+        </mc:Choice>
+        <mc:Fallback>
+          <p:sp>
+            <p:nvSpPr>
+              <p:cNvPr id="7" name="ZoneTexte 6">
+                <a:extLst>
+                  <a:ext uri="{FF2B5EF4-FFF2-40B4-BE49-F238E27FC236}">
+                    <a16:creationId xmlns:a16="http://schemas.microsoft.com/office/drawing/2014/main" id="{52BFA3BA-4FEF-4333-A830-9EA0217D4707}"/>
+                  </a:ext>
+                </a:extLst>
+              </p:cNvPr>
+              <p:cNvSpPr txBox="1">
+                <a:spLocks noRot="1" noChangeAspect="1" noMove="1" noResize="1" noEditPoints="1" noAdjustHandles="1" noChangeArrowheads="1" noChangeShapeType="1" noTextEdit="1"/>
+              </p:cNvSpPr>
+              <p:nvPr/>
+            </p:nvSpPr>
+            <p:spPr>
+              <a:xfrm>
+                <a:off x="1562100" y="4107382"/>
+                <a:ext cx="7105650" cy="806631"/>
+              </a:xfrm>
+              <a:prstGeom prst="rect">
+                <a:avLst/>
+              </a:prstGeom>
+              <a:blipFill>
+                <a:blip r:embed="rId7"/>
+                <a:stretch>
+                  <a:fillRect/>
+                </a:stretch>
+              </a:blipFill>
+            </p:spPr>
+            <p:txBody>
+              <a:bodyPr/>
+              <a:lstStyle/>
+              <a:p>
+                <a:r>
+                  <a:rPr lang="fr-FR">
+                    <a:noFill/>
+                  </a:rPr>
+                  <a:t> </a:t>
+                </a:r>
+              </a:p>
+            </p:txBody>
+          </p:sp>
+        </mc:Fallback>
+      </mc:AlternateContent>
+      <mc:AlternateContent xmlns:mc="http://schemas.openxmlformats.org/markup-compatibility/2006">
+        <mc:Choice xmlns:a14="http://schemas.microsoft.com/office/drawing/2010/main" Requires="a14">
+          <p:sp>
+            <p:nvSpPr>
+              <p:cNvPr id="8" name="ZoneTexte 7">
+                <a:extLst>
+                  <a:ext uri="{FF2B5EF4-FFF2-40B4-BE49-F238E27FC236}">
+                    <a16:creationId xmlns:a16="http://schemas.microsoft.com/office/drawing/2014/main" id="{6EFE92AF-5DF8-4EA0-8094-F5B85DE6DBA2}"/>
+                  </a:ext>
+                </a:extLst>
+              </p:cNvPr>
+              <p:cNvSpPr txBox="1"/>
+              <p:nvPr/>
+            </p:nvSpPr>
+            <p:spPr>
+              <a:xfrm>
+                <a:off x="-1600199" y="4278829"/>
+                <a:ext cx="7105650" cy="646331"/>
+              </a:xfrm>
+              <a:prstGeom prst="rect">
+                <a:avLst/>
+              </a:prstGeom>
+              <a:noFill/>
+            </p:spPr>
+            <p:txBody>
+              <a:bodyPr wrap="square" rtlCol="0">
+                <a:spAutoFit/>
+              </a:bodyPr>
+              <a:lstStyle/>
+              <a:p>
+                <a14:m>
+                  <m:oMathPara xmlns:m="http://schemas.openxmlformats.org/officeDocument/2006/math">
+                    <m:oMathParaPr>
+                      <m:jc m:val="centerGroup"/>
+                    </m:oMathParaPr>
+                    <m:oMath xmlns:m="http://schemas.openxmlformats.org/officeDocument/2006/math">
+                      <m:sSup>
+                        <m:sSupPr>
+                          <m:ctrlPr>
+                            <a:rPr lang="fr-FR" i="1" smtClean="0">
+                              <a:latin typeface="Cambria Math" panose="02040503050406030204" pitchFamily="18" charset="0"/>
+                            </a:rPr>
+                          </m:ctrlPr>
+                        </m:sSupPr>
+                        <m:e>
+                          <m:r>
+                            <a:rPr lang="fr-FR" i="1" smtClean="0">
+                              <a:latin typeface="Cambria Math" panose="02040503050406030204" pitchFamily="18" charset="0"/>
+                            </a:rPr>
+                            <m:t>𝑡</m:t>
+                          </m:r>
+                        </m:e>
+                        <m:sup>
+                          <m:r>
+                            <a:rPr lang="fr-FR" i="1" smtClean="0">
+                              <a:latin typeface="Cambria Math" panose="02040503050406030204" pitchFamily="18" charset="0"/>
+                            </a:rPr>
+                            <m:t>′</m:t>
+                          </m:r>
+                        </m:sup>
+                      </m:sSup>
+                      <m:r>
+                        <a:rPr lang="fr-FR" i="1" smtClean="0">
+                          <a:latin typeface="Cambria Math" panose="02040503050406030204" pitchFamily="18" charset="0"/>
+                        </a:rPr>
+                        <m:t>=</m:t>
+                      </m:r>
+                      <m:f>
+                        <m:fPr>
+                          <m:ctrlPr>
+                            <a:rPr lang="fr-FR" i="1" smtClean="0">
+                              <a:latin typeface="Cambria Math" panose="02040503050406030204" pitchFamily="18" charset="0"/>
+                            </a:rPr>
+                          </m:ctrlPr>
+                        </m:fPr>
+                        <m:num>
+                          <m:r>
+                            <a:rPr lang="fr-FR" i="1" smtClean="0">
+                              <a:latin typeface="Cambria Math" panose="02040503050406030204" pitchFamily="18" charset="0"/>
+                            </a:rPr>
+                            <m:t>1+</m:t>
+                          </m:r>
+                          <m:d>
+                            <m:dPr>
+                              <m:ctrlPr>
+                                <a:rPr lang="fr-FR" i="1" smtClean="0">
+                                  <a:latin typeface="Cambria Math" panose="02040503050406030204" pitchFamily="18" charset="0"/>
+                                </a:rPr>
+                              </m:ctrlPr>
+                            </m:dPr>
+                            <m:e>
+                              <m:r>
+                                <a:rPr lang="fr-FR" i="1" smtClean="0">
+                                  <a:latin typeface="Cambria Math" panose="02040503050406030204" pitchFamily="18" charset="0"/>
+                                </a:rPr>
+                                <m:t>2</m:t>
+                              </m:r>
+                              <m:r>
+                                <a:rPr lang="fr-FR" i="1" smtClean="0">
+                                  <a:latin typeface="Cambria Math" panose="02040503050406030204" pitchFamily="18" charset="0"/>
+                                </a:rPr>
+                                <m:t>𝑟</m:t>
+                              </m:r>
+                              <m:d>
+                                <m:dPr>
+                                  <m:ctrlPr>
+                                    <a:rPr lang="fr-FR" i="1" smtClean="0">
+                                      <a:latin typeface="Cambria Math" panose="02040503050406030204" pitchFamily="18" charset="0"/>
+                                    </a:rPr>
+                                  </m:ctrlPr>
+                                </m:dPr>
+                                <m:e>
+                                  <m:sSup>
+                                    <m:sSupPr>
+                                      <m:ctrlPr>
+                                        <a:rPr lang="fr-FR" i="1" smtClean="0">
+                                          <a:latin typeface="Cambria Math" panose="02040503050406030204" pitchFamily="18" charset="0"/>
+                                        </a:rPr>
+                                      </m:ctrlPr>
+                                    </m:sSupPr>
+                                    <m:e>
+                                      <m:r>
+                                        <a:rPr lang="fr-FR" i="1" smtClean="0">
+                                          <a:latin typeface="Cambria Math" panose="02040503050406030204" pitchFamily="18" charset="0"/>
+                                        </a:rPr>
+                                        <m:t>𝑟</m:t>
+                                      </m:r>
+                                    </m:e>
+                                    <m:sup>
+                                      <m:r>
+                                        <a:rPr lang="fr-FR" i="1" smtClean="0">
+                                          <a:latin typeface="Cambria Math" panose="02040503050406030204" pitchFamily="18" charset="0"/>
+                                        </a:rPr>
+                                        <m:t>2</m:t>
+                                      </m:r>
+                                    </m:sup>
+                                  </m:sSup>
+                                  <m:r>
+                                    <a:rPr lang="fr-FR" i="1" smtClean="0">
+                                      <a:latin typeface="Cambria Math" panose="02040503050406030204" pitchFamily="18" charset="0"/>
+                                    </a:rPr>
+                                    <m:t>+</m:t>
+                                  </m:r>
+                                  <m:sSup>
+                                    <m:sSupPr>
+                                      <m:ctrlPr>
+                                        <a:rPr lang="fr-FR" i="1" smtClean="0">
+                                          <a:latin typeface="Cambria Math" panose="02040503050406030204" pitchFamily="18" charset="0"/>
+                                        </a:rPr>
+                                      </m:ctrlPr>
+                                    </m:sSupPr>
+                                    <m:e>
+                                      <m:r>
+                                        <a:rPr lang="fr-FR" i="1" smtClean="0">
+                                          <a:latin typeface="Cambria Math" panose="02040503050406030204" pitchFamily="18" charset="0"/>
+                                        </a:rPr>
+                                        <m:t>𝑎</m:t>
+                                      </m:r>
+                                    </m:e>
+                                    <m:sup>
+                                      <m:r>
+                                        <a:rPr lang="fr-FR" i="1" smtClean="0">
+                                          <a:latin typeface="Cambria Math" panose="02040503050406030204" pitchFamily="18" charset="0"/>
+                                        </a:rPr>
+                                        <m:t>2</m:t>
+                                      </m:r>
+                                    </m:sup>
+                                  </m:sSup>
+                                </m:e>
+                              </m:d>
+                              <m:r>
+                                <a:rPr lang="fr-FR" i="1" smtClean="0">
+                                  <a:latin typeface="Cambria Math" panose="02040503050406030204" pitchFamily="18" charset="0"/>
+                                </a:rPr>
+                                <m:t>−2</m:t>
+                              </m:r>
+                              <m:r>
+                                <a:rPr lang="fr-FR" i="1" smtClean="0">
+                                  <a:latin typeface="Cambria Math" panose="02040503050406030204" pitchFamily="18" charset="0"/>
+                                </a:rPr>
+                                <m:t>𝑎𝑟𝐿</m:t>
+                              </m:r>
+                            </m:e>
+                          </m:d>
+                        </m:num>
+                        <m:den>
+                          <m:r>
+                            <m:rPr>
+                              <m:sty m:val="p"/>
+                            </m:rPr>
+                            <a:rPr lang="fr-FR" i="1" smtClean="0">
+                              <a:latin typeface="Cambria Math" panose="02040503050406030204" pitchFamily="18" charset="0"/>
+                            </a:rPr>
+                            <m:t>Δ</m:t>
+                          </m:r>
+                          <m:r>
+                            <a:rPr lang="fr-FR" i="1" smtClean="0">
+                              <a:latin typeface="Cambria Math" panose="02040503050406030204" pitchFamily="18" charset="0"/>
+                            </a:rPr>
+                            <m:t>𝛴</m:t>
+                          </m:r>
+                        </m:den>
+                      </m:f>
+                    </m:oMath>
+                  </m:oMathPara>
+                </a14:m>
+                <a:endParaRPr lang="fr-FR" dirty="0"/>
+              </a:p>
+            </p:txBody>
+          </p:sp>
+        </mc:Choice>
+        <mc:Fallback>
+          <p:sp>
+            <p:nvSpPr>
+              <p:cNvPr id="8" name="ZoneTexte 7">
+                <a:extLst>
+                  <a:ext uri="{FF2B5EF4-FFF2-40B4-BE49-F238E27FC236}">
+                    <a16:creationId xmlns:a16="http://schemas.microsoft.com/office/drawing/2014/main" id="{6EFE92AF-5DF8-4EA0-8094-F5B85DE6DBA2}"/>
+                  </a:ext>
+                </a:extLst>
+              </p:cNvPr>
+              <p:cNvSpPr txBox="1">
+                <a:spLocks noRot="1" noChangeAspect="1" noMove="1" noResize="1" noEditPoints="1" noAdjustHandles="1" noChangeArrowheads="1" noChangeShapeType="1" noTextEdit="1"/>
+              </p:cNvSpPr>
+              <p:nvPr/>
+            </p:nvSpPr>
+            <p:spPr>
+              <a:xfrm>
+                <a:off x="-1600199" y="4278829"/>
+                <a:ext cx="7105650" cy="646331"/>
+              </a:xfrm>
+              <a:prstGeom prst="rect">
+                <a:avLst/>
+              </a:prstGeom>
+              <a:blipFill>
+                <a:blip r:embed="rId8"/>
+                <a:stretch>
+                  <a:fillRect/>
+                </a:stretch>
+              </a:blipFill>
+            </p:spPr>
+            <p:txBody>
+              <a:bodyPr/>
+              <a:lstStyle/>
+              <a:p>
+                <a:r>
+                  <a:rPr lang="fr-FR">
+                    <a:noFill/>
+                  </a:rPr>
+                  <a:t> </a:t>
+                </a:r>
+              </a:p>
+            </p:txBody>
+          </p:sp>
+        </mc:Fallback>
+      </mc:AlternateContent>
+      <mc:AlternateContent xmlns:mc="http://schemas.openxmlformats.org/markup-compatibility/2006">
+        <mc:Choice xmlns:a14="http://schemas.microsoft.com/office/drawing/2010/main" Requires="a14">
+          <p:sp>
+            <p:nvSpPr>
+              <p:cNvPr id="9" name="ZoneTexte 8">
+                <a:extLst>
+                  <a:ext uri="{FF2B5EF4-FFF2-40B4-BE49-F238E27FC236}">
+                    <a16:creationId xmlns:a16="http://schemas.microsoft.com/office/drawing/2014/main" id="{3C39BC38-4C1D-4055-A34E-AE1C7C4EFD4E}"/>
+                  </a:ext>
+                </a:extLst>
+              </p:cNvPr>
+              <p:cNvSpPr txBox="1"/>
+              <p:nvPr/>
+            </p:nvSpPr>
+            <p:spPr>
+              <a:xfrm>
+                <a:off x="5857875" y="4174870"/>
+                <a:ext cx="7105650" cy="646331"/>
+              </a:xfrm>
+              <a:prstGeom prst="rect">
+                <a:avLst/>
+              </a:prstGeom>
+              <a:noFill/>
+            </p:spPr>
+            <p:txBody>
+              <a:bodyPr wrap="square" rtlCol="0">
+                <a:spAutoFit/>
+              </a:bodyPr>
+              <a:lstStyle/>
+              <a:p>
+                <a14:m>
+                  <m:oMathPara xmlns:m="http://schemas.openxmlformats.org/officeDocument/2006/math">
+                    <m:oMathParaPr>
+                      <m:jc m:val="centerGroup"/>
+                    </m:oMathParaPr>
+                    <m:oMath xmlns:m="http://schemas.openxmlformats.org/officeDocument/2006/math">
+                      <m:sSubSup>
+                        <m:sSubSupPr>
+                          <m:ctrlPr>
+                            <a:rPr lang="fr-FR" i="1" smtClean="0">
+                              <a:latin typeface="Cambria Math" panose="02040503050406030204" pitchFamily="18" charset="0"/>
+                            </a:rPr>
+                          </m:ctrlPr>
+                        </m:sSubSupPr>
+                        <m:e>
+                          <m:r>
+                            <a:rPr lang="fr-FR" i="1" smtClean="0">
+                              <a:latin typeface="Cambria Math" panose="02040503050406030204" pitchFamily="18" charset="0"/>
+                            </a:rPr>
+                            <m:t>𝑝</m:t>
+                          </m:r>
+                        </m:e>
+                        <m:sub>
+                          <m:r>
+                            <a:rPr lang="fr-FR" i="1" smtClean="0">
+                              <a:latin typeface="Cambria Math" panose="02040503050406030204" pitchFamily="18" charset="0"/>
+                            </a:rPr>
+                            <m:t>𝑟</m:t>
+                          </m:r>
+                        </m:sub>
+                        <m:sup>
+                          <m:r>
+                            <a:rPr lang="fr-FR" i="1" smtClean="0">
+                              <a:latin typeface="Cambria Math" panose="02040503050406030204" pitchFamily="18" charset="0"/>
+                            </a:rPr>
+                            <m:t>′</m:t>
+                          </m:r>
+                        </m:sup>
+                      </m:sSubSup>
+                      <m:r>
+                        <a:rPr lang="fr-FR" i="1" smtClean="0">
+                          <a:latin typeface="Cambria Math" panose="02040503050406030204" pitchFamily="18" charset="0"/>
+                        </a:rPr>
+                        <m:t>=</m:t>
+                      </m:r>
+                      <m:f>
+                        <m:fPr>
+                          <m:ctrlPr>
+                            <a:rPr lang="fr-FR" i="1" smtClean="0">
+                              <a:latin typeface="Cambria Math" panose="02040503050406030204" pitchFamily="18" charset="0"/>
+                            </a:rPr>
+                          </m:ctrlPr>
+                        </m:fPr>
+                        <m:num>
+                          <m:d>
+                            <m:dPr>
+                              <m:ctrlPr>
+                                <a:rPr lang="fr-FR" i="1" smtClean="0">
+                                  <a:latin typeface="Cambria Math" panose="02040503050406030204" pitchFamily="18" charset="0"/>
+                                </a:rPr>
+                              </m:ctrlPr>
+                            </m:dPr>
+                            <m:e>
+                              <m:r>
+                                <a:rPr lang="fr-FR" i="1" smtClean="0">
+                                  <a:latin typeface="Cambria Math" panose="02040503050406030204" pitchFamily="18" charset="0"/>
+                                </a:rPr>
+                                <m:t>𝑟</m:t>
+                              </m:r>
+                              <m:r>
+                                <a:rPr lang="fr-FR" i="1" smtClean="0">
+                                  <a:latin typeface="Cambria Math" panose="02040503050406030204" pitchFamily="18" charset="0"/>
+                                </a:rPr>
+                                <m:t>−1</m:t>
+                              </m:r>
+                            </m:e>
+                          </m:d>
+                          <m:r>
+                            <a:rPr lang="fr-FR" i="1" smtClean="0">
+                              <a:latin typeface="Cambria Math" panose="02040503050406030204" pitchFamily="18" charset="0"/>
+                            </a:rPr>
+                            <m:t>∗</m:t>
+                          </m:r>
+                          <m:d>
+                            <m:dPr>
+                              <m:ctrlPr>
+                                <a:rPr lang="fr-FR" i="1" smtClean="0">
+                                  <a:latin typeface="Cambria Math" panose="02040503050406030204" pitchFamily="18" charset="0"/>
+                                </a:rPr>
+                              </m:ctrlPr>
+                            </m:dPr>
+                            <m:e>
+                              <m:r>
+                                <a:rPr lang="fr-FR" i="1" smtClean="0">
+                                  <a:latin typeface="Cambria Math" panose="02040503050406030204" pitchFamily="18" charset="0"/>
+                                </a:rPr>
+                                <m:t>−</m:t>
+                              </m:r>
+                              <m:r>
+                                <a:rPr lang="fr-FR" i="1" smtClean="0">
+                                  <a:latin typeface="Cambria Math" panose="02040503050406030204" pitchFamily="18" charset="0"/>
+                                </a:rPr>
+                                <m:t>𝑘</m:t>
+                              </m:r>
+                            </m:e>
+                          </m:d>
+                          <m:r>
+                            <a:rPr lang="fr-FR" i="1" smtClean="0">
+                              <a:latin typeface="Cambria Math" panose="02040503050406030204" pitchFamily="18" charset="0"/>
+                            </a:rPr>
+                            <m:t>+2</m:t>
+                          </m:r>
+                          <m:r>
+                            <a:rPr lang="fr-FR" i="1" smtClean="0">
+                              <a:latin typeface="Cambria Math" panose="02040503050406030204" pitchFamily="18" charset="0"/>
+                            </a:rPr>
+                            <m:t>𝑟</m:t>
+                          </m:r>
+                          <m:d>
+                            <m:dPr>
+                              <m:ctrlPr>
+                                <a:rPr lang="fr-FR" i="1" smtClean="0">
+                                  <a:latin typeface="Cambria Math" panose="02040503050406030204" pitchFamily="18" charset="0"/>
+                                </a:rPr>
+                              </m:ctrlPr>
+                            </m:dPr>
+                            <m:e>
+                              <m:sSup>
+                                <m:sSupPr>
+                                  <m:ctrlPr>
+                                    <a:rPr lang="fr-FR" i="1" smtClean="0">
+                                      <a:latin typeface="Cambria Math" panose="02040503050406030204" pitchFamily="18" charset="0"/>
+                                    </a:rPr>
+                                  </m:ctrlPr>
+                                </m:sSupPr>
+                                <m:e>
+                                  <m:r>
+                                    <a:rPr lang="fr-FR" i="1" smtClean="0">
+                                      <a:latin typeface="Cambria Math" panose="02040503050406030204" pitchFamily="18" charset="0"/>
+                                    </a:rPr>
+                                    <m:t>𝑟</m:t>
+                                  </m:r>
+                                </m:e>
+                                <m:sup>
+                                  <m:r>
+                                    <a:rPr lang="fr-FR" i="1" smtClean="0">
+                                      <a:latin typeface="Cambria Math" panose="02040503050406030204" pitchFamily="18" charset="0"/>
+                                    </a:rPr>
+                                    <m:t>2</m:t>
+                                  </m:r>
+                                </m:sup>
+                              </m:sSup>
+                              <m:r>
+                                <a:rPr lang="fr-FR" i="1" smtClean="0">
+                                  <a:latin typeface="Cambria Math" panose="02040503050406030204" pitchFamily="18" charset="0"/>
+                                </a:rPr>
+                                <m:t>+</m:t>
+                              </m:r>
+                              <m:sSup>
+                                <m:sSupPr>
+                                  <m:ctrlPr>
+                                    <a:rPr lang="fr-FR" i="1" smtClean="0">
+                                      <a:latin typeface="Cambria Math" panose="02040503050406030204" pitchFamily="18" charset="0"/>
+                                    </a:rPr>
+                                  </m:ctrlPr>
+                                </m:sSupPr>
+                                <m:e>
+                                  <m:r>
+                                    <a:rPr lang="fr-FR" i="1" smtClean="0">
+                                      <a:latin typeface="Cambria Math" panose="02040503050406030204" pitchFamily="18" charset="0"/>
+                                    </a:rPr>
+                                    <m:t>𝑎</m:t>
+                                  </m:r>
+                                </m:e>
+                                <m:sup>
+                                  <m:r>
+                                    <a:rPr lang="fr-FR" i="1" smtClean="0">
+                                      <a:latin typeface="Cambria Math" panose="02040503050406030204" pitchFamily="18" charset="0"/>
+                                    </a:rPr>
+                                    <m:t>2</m:t>
+                                  </m:r>
+                                </m:sup>
+                              </m:sSup>
+                            </m:e>
+                          </m:d>
+                          <m:r>
+                            <a:rPr lang="fr-FR" i="1" smtClean="0">
+                              <a:latin typeface="Cambria Math" panose="02040503050406030204" pitchFamily="18" charset="0"/>
+                            </a:rPr>
+                            <m:t>−2</m:t>
+                          </m:r>
+                          <m:r>
+                            <a:rPr lang="fr-FR" i="1" smtClean="0">
+                              <a:latin typeface="Cambria Math" panose="02040503050406030204" pitchFamily="18" charset="0"/>
+                            </a:rPr>
+                            <m:t>𝑎𝐿</m:t>
+                          </m:r>
+                        </m:num>
+                        <m:den>
+                          <m:r>
+                            <m:rPr>
+                              <m:sty m:val="p"/>
+                            </m:rPr>
+                            <a:rPr lang="fr-FR" i="1" smtClean="0">
+                              <a:latin typeface="Cambria Math" panose="02040503050406030204" pitchFamily="18" charset="0"/>
+                            </a:rPr>
+                            <m:t>Δ</m:t>
+                          </m:r>
+                          <m:r>
+                            <a:rPr lang="fr-FR" i="1" smtClean="0">
+                              <a:latin typeface="Cambria Math" panose="02040503050406030204" pitchFamily="18" charset="0"/>
+                            </a:rPr>
+                            <m:t>𝛴</m:t>
+                          </m:r>
+                        </m:den>
+                      </m:f>
+                      <m:r>
+                        <a:rPr lang="fr-FR" i="1" smtClean="0">
+                          <a:latin typeface="Cambria Math" panose="02040503050406030204" pitchFamily="18" charset="0"/>
+                        </a:rPr>
+                        <m:t>−</m:t>
+                      </m:r>
+                      <m:f>
+                        <m:fPr>
+                          <m:ctrlPr>
+                            <a:rPr lang="fr-FR" i="1" smtClean="0">
+                              <a:latin typeface="Cambria Math" panose="02040503050406030204" pitchFamily="18" charset="0"/>
+                            </a:rPr>
+                          </m:ctrlPr>
+                        </m:fPr>
+                        <m:num>
+                          <m:r>
+                            <a:rPr lang="fr-FR" i="1" smtClean="0">
+                              <a:latin typeface="Cambria Math" panose="02040503050406030204" pitchFamily="18" charset="0"/>
+                            </a:rPr>
+                            <m:t>2</m:t>
+                          </m:r>
+                          <m:sSubSup>
+                            <m:sSubSupPr>
+                              <m:ctrlPr>
+                                <a:rPr lang="fr-FR" i="1" smtClean="0">
+                                  <a:latin typeface="Cambria Math" panose="02040503050406030204" pitchFamily="18" charset="0"/>
+                                </a:rPr>
+                              </m:ctrlPr>
+                            </m:sSubSupPr>
+                            <m:e>
+                              <m:r>
+                                <a:rPr lang="fr-FR" i="1" smtClean="0">
+                                  <a:latin typeface="Cambria Math" panose="02040503050406030204" pitchFamily="18" charset="0"/>
+                                </a:rPr>
+                                <m:t>𝑝</m:t>
+                              </m:r>
+                            </m:e>
+                            <m:sub>
+                              <m:r>
+                                <a:rPr lang="fr-FR" i="1" smtClean="0">
+                                  <a:latin typeface="Cambria Math" panose="02040503050406030204" pitchFamily="18" charset="0"/>
+                                </a:rPr>
+                                <m:t>𝑟</m:t>
+                              </m:r>
+                            </m:sub>
+                            <m:sup>
+                              <m:r>
+                                <a:rPr lang="fr-FR" i="1" smtClean="0">
+                                  <a:latin typeface="Cambria Math" panose="02040503050406030204" pitchFamily="18" charset="0"/>
+                                </a:rPr>
+                                <m:t>2</m:t>
+                              </m:r>
+                            </m:sup>
+                          </m:sSubSup>
+                          <m:d>
+                            <m:dPr>
+                              <m:ctrlPr>
+                                <a:rPr lang="fr-FR" i="1" smtClean="0">
+                                  <a:latin typeface="Cambria Math" panose="02040503050406030204" pitchFamily="18" charset="0"/>
+                                </a:rPr>
+                              </m:ctrlPr>
+                            </m:dPr>
+                            <m:e>
+                              <m:r>
+                                <a:rPr lang="fr-FR" i="1" smtClean="0">
+                                  <a:latin typeface="Cambria Math" panose="02040503050406030204" pitchFamily="18" charset="0"/>
+                                </a:rPr>
+                                <m:t>𝑟</m:t>
+                              </m:r>
+                              <m:r>
+                                <a:rPr lang="fr-FR" i="1" smtClean="0">
+                                  <a:latin typeface="Cambria Math" panose="02040503050406030204" pitchFamily="18" charset="0"/>
+                                </a:rPr>
+                                <m:t>−1</m:t>
+                              </m:r>
+                            </m:e>
+                          </m:d>
+                        </m:num>
+                        <m:den>
+                          <m:r>
+                            <a:rPr lang="fr-FR" i="1" smtClean="0">
+                              <a:latin typeface="Cambria Math" panose="02040503050406030204" pitchFamily="18" charset="0"/>
+                            </a:rPr>
+                            <m:t>𝛴</m:t>
+                          </m:r>
+                        </m:den>
+                      </m:f>
+                    </m:oMath>
+                  </m:oMathPara>
+                </a14:m>
+                <a:endParaRPr lang="fr-FR" dirty="0"/>
+              </a:p>
+            </p:txBody>
+          </p:sp>
+        </mc:Choice>
+        <mc:Fallback>
+          <p:sp>
+            <p:nvSpPr>
+              <p:cNvPr id="9" name="ZoneTexte 8">
+                <a:extLst>
+                  <a:ext uri="{FF2B5EF4-FFF2-40B4-BE49-F238E27FC236}">
+                    <a16:creationId xmlns:a16="http://schemas.microsoft.com/office/drawing/2014/main" id="{3C39BC38-4C1D-4055-A34E-AE1C7C4EFD4E}"/>
+                  </a:ext>
+                </a:extLst>
+              </p:cNvPr>
+              <p:cNvSpPr txBox="1">
+                <a:spLocks noRot="1" noChangeAspect="1" noMove="1" noResize="1" noEditPoints="1" noAdjustHandles="1" noChangeArrowheads="1" noChangeShapeType="1" noTextEdit="1"/>
+              </p:cNvSpPr>
+              <p:nvPr/>
+            </p:nvSpPr>
+            <p:spPr>
+              <a:xfrm>
+                <a:off x="5857875" y="4174870"/>
+                <a:ext cx="7105650" cy="646331"/>
+              </a:xfrm>
+              <a:prstGeom prst="rect">
+                <a:avLst/>
+              </a:prstGeom>
+              <a:blipFill>
+                <a:blip r:embed="rId9"/>
+                <a:stretch>
+                  <a:fillRect/>
+                </a:stretch>
+              </a:blipFill>
+            </p:spPr>
+            <p:txBody>
+              <a:bodyPr/>
+              <a:lstStyle/>
+              <a:p>
+                <a:r>
+                  <a:rPr lang="fr-FR">
+                    <a:noFill/>
+                  </a:rPr>
+                  <a:t> </a:t>
+                </a:r>
+              </a:p>
+            </p:txBody>
+          </p:sp>
+        </mc:Fallback>
+      </mc:AlternateContent>
+      <mc:AlternateContent xmlns:mc="http://schemas.openxmlformats.org/markup-compatibility/2006">
+        <mc:Choice xmlns:a14="http://schemas.microsoft.com/office/drawing/2010/main" Requires="a14">
+          <p:sp>
+            <p:nvSpPr>
+              <p:cNvPr id="10" name="ZoneTexte 9">
+                <a:extLst>
+                  <a:ext uri="{FF2B5EF4-FFF2-40B4-BE49-F238E27FC236}">
+                    <a16:creationId xmlns:a16="http://schemas.microsoft.com/office/drawing/2014/main" id="{7BD4BAEC-0999-488F-8FFA-A763E51A25E9}"/>
+                  </a:ext>
+                </a:extLst>
+              </p:cNvPr>
+              <p:cNvSpPr txBox="1"/>
+              <p:nvPr/>
+            </p:nvSpPr>
+            <p:spPr>
+              <a:xfrm>
+                <a:off x="2305050" y="5269233"/>
+                <a:ext cx="7105650" cy="871649"/>
+              </a:xfrm>
+              <a:prstGeom prst="rect">
+                <a:avLst/>
+              </a:prstGeom>
+              <a:noFill/>
+            </p:spPr>
+            <p:txBody>
+              <a:bodyPr wrap="square" rtlCol="0">
+                <a:spAutoFit/>
+              </a:bodyPr>
+              <a:lstStyle/>
+              <a:p>
+                <a14:m>
+                  <m:oMathPara xmlns:m="http://schemas.openxmlformats.org/officeDocument/2006/math">
+                    <m:oMathParaPr>
+                      <m:jc m:val="centerGroup"/>
+                    </m:oMathParaPr>
+                    <m:oMath xmlns:m="http://schemas.openxmlformats.org/officeDocument/2006/math">
+                      <m:sSubSup>
+                        <m:sSubSupPr>
+                          <m:ctrlPr>
+                            <a:rPr lang="fr-FR" i="1" smtClean="0">
+                              <a:latin typeface="Cambria Math" panose="02040503050406030204" pitchFamily="18" charset="0"/>
+                            </a:rPr>
+                          </m:ctrlPr>
+                        </m:sSubSupPr>
+                        <m:e>
+                          <m:r>
+                            <a:rPr lang="fr-FR" i="1" smtClean="0">
+                              <a:latin typeface="Cambria Math" panose="02040503050406030204" pitchFamily="18" charset="0"/>
+                            </a:rPr>
+                            <m:t>𝑝</m:t>
+                          </m:r>
+                        </m:e>
+                        <m:sub>
+                          <m:r>
+                            <a:rPr lang="fr-FR" i="1" smtClean="0">
+                              <a:latin typeface="Cambria Math" panose="02040503050406030204" pitchFamily="18" charset="0"/>
+                            </a:rPr>
+                            <m:t>𝜃</m:t>
+                          </m:r>
+                        </m:sub>
+                        <m:sup>
+                          <m:r>
+                            <a:rPr lang="fr-FR" i="1" smtClean="0">
+                              <a:latin typeface="Cambria Math" panose="02040503050406030204" pitchFamily="18" charset="0"/>
+                            </a:rPr>
+                            <m:t>′</m:t>
+                          </m:r>
+                        </m:sup>
+                      </m:sSubSup>
+                      <m:r>
+                        <a:rPr lang="fr-FR" i="1" smtClean="0">
+                          <a:latin typeface="Cambria Math" panose="02040503050406030204" pitchFamily="18" charset="0"/>
+                        </a:rPr>
+                        <m:t>=</m:t>
+                      </m:r>
+                      <m:f>
+                        <m:fPr>
+                          <m:ctrlPr>
+                            <a:rPr lang="fr-FR" i="1" smtClean="0">
+                              <a:latin typeface="Cambria Math" panose="02040503050406030204" pitchFamily="18" charset="0"/>
+                            </a:rPr>
+                          </m:ctrlPr>
+                        </m:fPr>
+                        <m:num>
+                          <m:func>
+                            <m:funcPr>
+                              <m:ctrlPr>
+                                <a:rPr lang="fr-FR" i="1" smtClean="0">
+                                  <a:latin typeface="Cambria Math" panose="02040503050406030204" pitchFamily="18" charset="0"/>
+                                </a:rPr>
+                              </m:ctrlPr>
+                            </m:funcPr>
+                            <m:fName>
+                              <m:r>
+                                <m:rPr>
+                                  <m:sty m:val="p"/>
+                                </m:rPr>
+                                <a:rPr lang="fr-FR" i="1" smtClean="0">
+                                  <a:latin typeface="Cambria Math" panose="02040503050406030204" pitchFamily="18" charset="0"/>
+                                </a:rPr>
+                                <m:t>sin</m:t>
+                              </m:r>
+                            </m:fName>
+                            <m:e>
+                              <m:r>
+                                <a:rPr lang="fr-FR" i="1" smtClean="0">
+                                  <a:latin typeface="Cambria Math" panose="02040503050406030204" pitchFamily="18" charset="0"/>
+                                </a:rPr>
+                                <m:t>𝜃</m:t>
+                              </m:r>
+                              <m:func>
+                                <m:funcPr>
+                                  <m:ctrlPr>
+                                    <a:rPr lang="fr-FR" i="1" smtClean="0">
+                                      <a:latin typeface="Cambria Math" panose="02040503050406030204" pitchFamily="18" charset="0"/>
+                                    </a:rPr>
+                                  </m:ctrlPr>
+                                </m:funcPr>
+                                <m:fName>
+                                  <m:r>
+                                    <m:rPr>
+                                      <m:sty m:val="p"/>
+                                    </m:rPr>
+                                    <a:rPr lang="fr-FR" i="1" smtClean="0">
+                                      <a:latin typeface="Cambria Math" panose="02040503050406030204" pitchFamily="18" charset="0"/>
+                                    </a:rPr>
+                                    <m:t>cos</m:t>
+                                  </m:r>
+                                </m:fName>
+                                <m:e>
+                                  <m:r>
+                                    <a:rPr lang="fr-FR" i="1" smtClean="0">
+                                      <a:latin typeface="Cambria Math" panose="02040503050406030204" pitchFamily="18" charset="0"/>
+                                    </a:rPr>
+                                    <m:t>𝜃</m:t>
+                                  </m:r>
+                                  <m:d>
+                                    <m:dPr>
+                                      <m:ctrlPr>
+                                        <a:rPr lang="fr-FR" i="1" smtClean="0">
+                                          <a:latin typeface="Cambria Math" panose="02040503050406030204" pitchFamily="18" charset="0"/>
+                                        </a:rPr>
+                                      </m:ctrlPr>
+                                    </m:dPr>
+                                    <m:e>
+                                      <m:f>
+                                        <m:fPr>
+                                          <m:ctrlPr>
+                                            <a:rPr lang="fr-FR" i="1" smtClean="0">
+                                              <a:latin typeface="Cambria Math" panose="02040503050406030204" pitchFamily="18" charset="0"/>
+                                            </a:rPr>
+                                          </m:ctrlPr>
+                                        </m:fPr>
+                                        <m:num>
+                                          <m:sSup>
+                                            <m:sSupPr>
+                                              <m:ctrlPr>
+                                                <a:rPr lang="fr-FR" i="1" smtClean="0">
+                                                  <a:latin typeface="Cambria Math" panose="02040503050406030204" pitchFamily="18" charset="0"/>
+                                                </a:rPr>
+                                              </m:ctrlPr>
+                                            </m:sSupPr>
+                                            <m:e>
+                                              <m:r>
+                                                <a:rPr lang="fr-FR" i="1" smtClean="0">
+                                                  <a:latin typeface="Cambria Math" panose="02040503050406030204" pitchFamily="18" charset="0"/>
+                                                </a:rPr>
+                                                <m:t>𝐿</m:t>
+                                              </m:r>
+                                            </m:e>
+                                            <m:sup>
+                                              <m:r>
+                                                <a:rPr lang="fr-FR" i="1" smtClean="0">
+                                                  <a:latin typeface="Cambria Math" panose="02040503050406030204" pitchFamily="18" charset="0"/>
+                                                </a:rPr>
+                                                <m:t>2</m:t>
+                                              </m:r>
+                                            </m:sup>
+                                          </m:sSup>
+                                        </m:num>
+                                        <m:den>
+                                          <m:sSup>
+                                            <m:sSupPr>
+                                              <m:ctrlPr>
+                                                <a:rPr lang="fr-FR" i="1" smtClean="0">
+                                                  <a:latin typeface="Cambria Math" panose="02040503050406030204" pitchFamily="18" charset="0"/>
+                                                </a:rPr>
+                                              </m:ctrlPr>
+                                            </m:sSupPr>
+                                            <m:e>
+                                              <m:r>
+                                                <a:rPr lang="fr-FR" i="1" smtClean="0">
+                                                  <a:latin typeface="Cambria Math" panose="02040503050406030204" pitchFamily="18" charset="0"/>
+                                                </a:rPr>
+                                                <m:t>𝑎</m:t>
+                                              </m:r>
+                                            </m:e>
+                                            <m:sup>
+                                              <m:r>
+                                                <a:rPr lang="fr-FR" i="1" smtClean="0">
+                                                  <a:latin typeface="Cambria Math" panose="02040503050406030204" pitchFamily="18" charset="0"/>
+                                                </a:rPr>
+                                                <m:t>2</m:t>
+                                              </m:r>
+                                            </m:sup>
+                                          </m:sSup>
+                                        </m:den>
+                                      </m:f>
+                                      <m:r>
+                                        <a:rPr lang="fr-FR" i="1" smtClean="0">
+                                          <a:latin typeface="Cambria Math" panose="02040503050406030204" pitchFamily="18" charset="0"/>
+                                        </a:rPr>
+                                        <m:t>−</m:t>
+                                      </m:r>
+                                      <m:sSup>
+                                        <m:sSupPr>
+                                          <m:ctrlPr>
+                                            <a:rPr lang="fr-FR" i="1" smtClean="0">
+                                              <a:latin typeface="Cambria Math" panose="02040503050406030204" pitchFamily="18" charset="0"/>
+                                            </a:rPr>
+                                          </m:ctrlPr>
+                                        </m:sSupPr>
+                                        <m:e>
+                                          <m:r>
+                                            <a:rPr lang="fr-FR" i="1" smtClean="0">
+                                              <a:latin typeface="Cambria Math" panose="02040503050406030204" pitchFamily="18" charset="0"/>
+                                            </a:rPr>
+                                            <m:t>𝑎</m:t>
+                                          </m:r>
+                                        </m:e>
+                                        <m:sup>
+                                          <m:r>
+                                            <a:rPr lang="fr-FR" i="1" smtClean="0">
+                                              <a:latin typeface="Cambria Math" panose="02040503050406030204" pitchFamily="18" charset="0"/>
+                                            </a:rPr>
+                                            <m:t>2</m:t>
+                                          </m:r>
+                                        </m:sup>
+                                      </m:sSup>
+                                    </m:e>
+                                  </m:d>
+                                </m:e>
+                              </m:func>
+                            </m:e>
+                          </m:func>
+                        </m:num>
+                        <m:den>
+                          <m:r>
+                            <a:rPr lang="fr-FR" i="1" smtClean="0">
+                              <a:latin typeface="Cambria Math" panose="02040503050406030204" pitchFamily="18" charset="0"/>
+                            </a:rPr>
+                            <m:t>𝛴</m:t>
+                          </m:r>
+                        </m:den>
+                      </m:f>
+                    </m:oMath>
+                  </m:oMathPara>
+                </a14:m>
+                <a:endParaRPr lang="fr-FR" dirty="0"/>
+              </a:p>
+            </p:txBody>
+          </p:sp>
+        </mc:Choice>
+        <mc:Fallback>
+          <p:sp>
+            <p:nvSpPr>
+              <p:cNvPr id="10" name="ZoneTexte 9">
+                <a:extLst>
+                  <a:ext uri="{FF2B5EF4-FFF2-40B4-BE49-F238E27FC236}">
+                    <a16:creationId xmlns:a16="http://schemas.microsoft.com/office/drawing/2014/main" id="{7BD4BAEC-0999-488F-8FFA-A763E51A25E9}"/>
+                  </a:ext>
+                </a:extLst>
+              </p:cNvPr>
+              <p:cNvSpPr txBox="1">
+                <a:spLocks noRot="1" noChangeAspect="1" noMove="1" noResize="1" noEditPoints="1" noAdjustHandles="1" noChangeArrowheads="1" noChangeShapeType="1" noTextEdit="1"/>
+              </p:cNvSpPr>
+              <p:nvPr/>
+            </p:nvSpPr>
+            <p:spPr>
+              <a:xfrm>
+                <a:off x="2305050" y="5269233"/>
+                <a:ext cx="7105650" cy="871649"/>
+              </a:xfrm>
+              <a:prstGeom prst="rect">
+                <a:avLst/>
+              </a:prstGeom>
+              <a:blipFill>
+                <a:blip r:embed="rId10"/>
+                <a:stretch>
+                  <a:fillRect/>
+                </a:stretch>
+              </a:blipFill>
+            </p:spPr>
+            <p:txBody>
+              <a:bodyPr/>
+              <a:lstStyle/>
+              <a:p>
+                <a:r>
+                  <a:rPr lang="fr-FR">
+                    <a:noFill/>
+                  </a:rPr>
+                  <a:t> </a:t>
+                </a:r>
+              </a:p>
+            </p:txBody>
+          </p:sp>
+        </mc:Fallback>
+      </mc:AlternateContent>
+      <mc:AlternateContent xmlns:mc="http://schemas.openxmlformats.org/markup-compatibility/2006">
+        <mc:Choice xmlns:a14="http://schemas.microsoft.com/office/drawing/2010/main" Requires="a14">
+          <p:sp>
+            <p:nvSpPr>
+              <p:cNvPr id="11" name="ZoneTexte 10">
+                <a:extLst>
+                  <a:ext uri="{FF2B5EF4-FFF2-40B4-BE49-F238E27FC236}">
+                    <a16:creationId xmlns:a16="http://schemas.microsoft.com/office/drawing/2014/main" id="{17E4C56C-7522-4877-BDB1-87E7F99FBBF5}"/>
+                  </a:ext>
+                </a:extLst>
+              </p:cNvPr>
+              <p:cNvSpPr txBox="1"/>
+              <p:nvPr/>
+            </p:nvSpPr>
+            <p:spPr>
+              <a:xfrm>
+                <a:off x="2286000" y="6235184"/>
+                <a:ext cx="7105650" cy="404213"/>
+              </a:xfrm>
+              <a:prstGeom prst="rect">
+                <a:avLst/>
+              </a:prstGeom>
+              <a:noFill/>
+            </p:spPr>
+            <p:txBody>
+              <a:bodyPr wrap="square" rtlCol="0">
+                <a:spAutoFit/>
+              </a:bodyPr>
+              <a:lstStyle/>
+              <a:p>
+                <a14:m>
+                  <m:oMathPara xmlns:m="http://schemas.openxmlformats.org/officeDocument/2006/math">
+                    <m:oMathParaPr>
+                      <m:jc m:val="centerGroup"/>
+                    </m:oMathParaPr>
+                    <m:oMath xmlns:m="http://schemas.openxmlformats.org/officeDocument/2006/math">
+                      <m:sSubSup>
+                        <m:sSubSupPr>
+                          <m:ctrlPr>
+                            <a:rPr lang="fr-FR" i="1" smtClean="0">
+                              <a:latin typeface="Cambria Math" panose="02040503050406030204" pitchFamily="18" charset="0"/>
+                            </a:rPr>
+                          </m:ctrlPr>
+                        </m:sSubSupPr>
+                        <m:e>
+                          <m:r>
+                            <a:rPr lang="fr-FR" i="1" smtClean="0">
+                              <a:latin typeface="Cambria Math" panose="02040503050406030204" pitchFamily="18" charset="0"/>
+                            </a:rPr>
+                            <m:t>𝑝</m:t>
+                          </m:r>
+                        </m:e>
+                        <m:sub>
+                          <m:r>
+                            <a:rPr lang="fr-FR" i="1" smtClean="0">
+                              <a:latin typeface="Cambria Math" panose="02040503050406030204" pitchFamily="18" charset="0"/>
+                            </a:rPr>
+                            <m:t>𝜙</m:t>
+                          </m:r>
+                        </m:sub>
+                        <m:sup>
+                          <m:r>
+                            <a:rPr lang="fr-FR" i="1" smtClean="0">
+                              <a:latin typeface="Cambria Math" panose="02040503050406030204" pitchFamily="18" charset="0"/>
+                            </a:rPr>
+                            <m:t>′</m:t>
+                          </m:r>
+                        </m:sup>
+                      </m:sSubSup>
+                      <m:r>
+                        <a:rPr lang="fr-FR" i="1" smtClean="0">
+                          <a:latin typeface="Cambria Math" panose="02040503050406030204" pitchFamily="18" charset="0"/>
+                        </a:rPr>
+                        <m:t>=0</m:t>
+                      </m:r>
+                    </m:oMath>
+                  </m:oMathPara>
+                </a14:m>
+                <a:endParaRPr lang="fr-FR" dirty="0"/>
+              </a:p>
+            </p:txBody>
+          </p:sp>
+        </mc:Choice>
+        <mc:Fallback>
+          <p:sp>
+            <p:nvSpPr>
+              <p:cNvPr id="11" name="ZoneTexte 10">
+                <a:extLst>
+                  <a:ext uri="{FF2B5EF4-FFF2-40B4-BE49-F238E27FC236}">
+                    <a16:creationId xmlns:a16="http://schemas.microsoft.com/office/drawing/2014/main" id="{17E4C56C-7522-4877-BDB1-87E7F99FBBF5}"/>
+                  </a:ext>
+                </a:extLst>
+              </p:cNvPr>
+              <p:cNvSpPr txBox="1">
+                <a:spLocks noRot="1" noChangeAspect="1" noMove="1" noResize="1" noEditPoints="1" noAdjustHandles="1" noChangeArrowheads="1" noChangeShapeType="1" noTextEdit="1"/>
+              </p:cNvSpPr>
+              <p:nvPr/>
+            </p:nvSpPr>
+            <p:spPr>
+              <a:xfrm>
+                <a:off x="2286000" y="6235184"/>
+                <a:ext cx="7105650" cy="404213"/>
+              </a:xfrm>
+              <a:prstGeom prst="rect">
+                <a:avLst/>
+              </a:prstGeom>
+              <a:blipFill>
+                <a:blip r:embed="rId11"/>
+                <a:stretch>
+                  <a:fillRect b="-10606"/>
+                </a:stretch>
+              </a:blipFill>
+            </p:spPr>
+            <p:txBody>
+              <a:bodyPr/>
+              <a:lstStyle/>
+              <a:p>
+                <a:r>
+                  <a:rPr lang="fr-FR">
+                    <a:noFill/>
+                  </a:rPr>
+                  <a:t> </a:t>
+                </a:r>
+              </a:p>
+            </p:txBody>
+          </p:sp>
+        </mc:Fallback>
+      </mc:AlternateContent>
+      <mc:AlternateContent xmlns:mc="http://schemas.openxmlformats.org/markup-compatibility/2006">
+        <mc:Choice xmlns:a14="http://schemas.microsoft.com/office/drawing/2010/main" Requires="a14">
+          <p:sp>
+            <p:nvSpPr>
+              <p:cNvPr id="12" name="ZoneTexte 11">
+                <a:extLst>
+                  <a:ext uri="{FF2B5EF4-FFF2-40B4-BE49-F238E27FC236}">
+                    <a16:creationId xmlns:a16="http://schemas.microsoft.com/office/drawing/2014/main" id="{90D33675-A8E9-4E2E-B7B1-2EEFEC69F3B6}"/>
+                  </a:ext>
+                </a:extLst>
+              </p:cNvPr>
+              <p:cNvSpPr txBox="1"/>
+              <p:nvPr/>
+            </p:nvSpPr>
+            <p:spPr>
+              <a:xfrm>
+                <a:off x="4638675" y="6039371"/>
+                <a:ext cx="7105650" cy="369332"/>
+              </a:xfrm>
+              <a:prstGeom prst="rect">
+                <a:avLst/>
+              </a:prstGeom>
+              <a:noFill/>
+            </p:spPr>
+            <p:txBody>
+              <a:bodyPr wrap="square" rtlCol="0">
+                <a:spAutoFit/>
+              </a:bodyPr>
+              <a:lstStyle/>
+              <a:p>
+                <a14:m>
+                  <m:oMathPara xmlns:m="http://schemas.openxmlformats.org/officeDocument/2006/math">
+                    <m:oMathParaPr>
+                      <m:jc m:val="centerGroup"/>
+                    </m:oMathParaPr>
+                    <m:oMath xmlns:m="http://schemas.openxmlformats.org/officeDocument/2006/math">
+                      <m:sSubSup>
+                        <m:sSubSupPr>
+                          <m:ctrlPr>
+                            <a:rPr lang="fr-FR" i="1" smtClean="0">
+                              <a:latin typeface="Cambria Math" panose="02040503050406030204" pitchFamily="18" charset="0"/>
+                            </a:rPr>
+                          </m:ctrlPr>
+                        </m:sSubSupPr>
+                        <m:e>
+                          <m:r>
+                            <a:rPr lang="fr-FR" i="1" smtClean="0">
+                              <a:latin typeface="Cambria Math" panose="02040503050406030204" pitchFamily="18" charset="0"/>
+                            </a:rPr>
+                            <m:t>𝑝</m:t>
+                          </m:r>
+                        </m:e>
+                        <m:sub>
+                          <m:r>
+                            <a:rPr lang="fr-FR" i="1" smtClean="0">
+                              <a:latin typeface="Cambria Math" panose="02040503050406030204" pitchFamily="18" charset="0"/>
+                            </a:rPr>
+                            <m:t>𝑡</m:t>
+                          </m:r>
+                        </m:sub>
+                        <m:sup>
+                          <m:r>
+                            <a:rPr lang="fr-FR" i="1" smtClean="0">
+                              <a:latin typeface="Cambria Math" panose="02040503050406030204" pitchFamily="18" charset="0"/>
+                            </a:rPr>
+                            <m:t>′</m:t>
+                          </m:r>
+                        </m:sup>
+                      </m:sSubSup>
+                      <m:r>
+                        <a:rPr lang="fr-FR" i="1" smtClean="0">
+                          <a:latin typeface="Cambria Math" panose="02040503050406030204" pitchFamily="18" charset="0"/>
+                        </a:rPr>
+                        <m:t>=0</m:t>
+                      </m:r>
+                    </m:oMath>
+                  </m:oMathPara>
+                </a14:m>
+                <a:endParaRPr lang="fr-FR" dirty="0"/>
+              </a:p>
+            </p:txBody>
+          </p:sp>
+        </mc:Choice>
+        <mc:Fallback>
+          <p:sp>
+            <p:nvSpPr>
+              <p:cNvPr id="12" name="ZoneTexte 11">
+                <a:extLst>
+                  <a:ext uri="{FF2B5EF4-FFF2-40B4-BE49-F238E27FC236}">
+                    <a16:creationId xmlns:a16="http://schemas.microsoft.com/office/drawing/2014/main" id="{90D33675-A8E9-4E2E-B7B1-2EEFEC69F3B6}"/>
+                  </a:ext>
+                </a:extLst>
+              </p:cNvPr>
+              <p:cNvSpPr txBox="1">
+                <a:spLocks noRot="1" noChangeAspect="1" noMove="1" noResize="1" noEditPoints="1" noAdjustHandles="1" noChangeArrowheads="1" noChangeShapeType="1" noTextEdit="1"/>
+              </p:cNvSpPr>
+              <p:nvPr/>
+            </p:nvSpPr>
+            <p:spPr>
+              <a:xfrm>
+                <a:off x="4638675" y="6039371"/>
+                <a:ext cx="7105650" cy="369332"/>
+              </a:xfrm>
+              <a:prstGeom prst="rect">
+                <a:avLst/>
+              </a:prstGeom>
+              <a:blipFill>
+                <a:blip r:embed="rId12"/>
+                <a:stretch>
+                  <a:fillRect b="-10000"/>
+                </a:stretch>
+              </a:blipFill>
+            </p:spPr>
+            <p:txBody>
+              <a:bodyPr/>
+              <a:lstStyle/>
+              <a:p>
+                <a:r>
+                  <a:rPr lang="fr-FR">
+                    <a:noFill/>
+                  </a:rPr>
+                  <a:t> </a:t>
+                </a:r>
+              </a:p>
+            </p:txBody>
+          </p:sp>
+        </mc:Fallback>
+      </mc:AlternateContent>
+    </p:spTree>
+    <p:extLst>
+      <p:ext uri="{BB962C8B-B14F-4D97-AF65-F5344CB8AC3E}">
+        <p14:creationId xmlns:p14="http://schemas.microsoft.com/office/powerpoint/2010/main" val="4134385638"/>
+      </p:ext>
+    </p:extLst>
+  </p:cSld>
+  <p:clrMapOvr>
+    <a:masterClrMapping/>
+  </p:clrMapOvr>
+</p:sld>
+</file>
+
+<file path=ppt/slides/slide9.xml><?xml version="1.0" encoding="utf-8"?>
+<p:sld xmlns:a="http://schemas.openxmlformats.org/drawingml/2006/main" xmlns:r="http://schemas.openxmlformats.org/officeDocument/2006/relationships" xmlns:p="http://schemas.openxmlformats.org/presentationml/2006/main">
+  <p:cSld>
+    <p:spTree>
+      <p:nvGrpSpPr>
+        <p:cNvPr id="1" name=""/>
+        <p:cNvGrpSpPr/>
+        <p:nvPr/>
+      </p:nvGrpSpPr>
+      <p:grpSpPr>
+        <a:xfrm>
+          <a:off x="0" y="0"/>
+          <a:ext cx="0" cy="0"/>
+          <a:chOff x="0" y="0"/>
+          <a:chExt cx="0" cy="0"/>
+        </a:xfrm>
+      </p:grpSpPr>
       <p:sp>
         <p:nvSpPr>
           <p:cNvPr id="2" name="Titre 1">
@@ -11841,629 +15261,6 @@
     <p:extLst>
       <p:ext uri="{BB962C8B-B14F-4D97-AF65-F5344CB8AC3E}">
         <p14:creationId xmlns:p14="http://schemas.microsoft.com/office/powerpoint/2010/main" val="1188100013"/>
-      </p:ext>
-    </p:extLst>
-  </p:cSld>
-  <p:clrMapOvr>
-    <a:masterClrMapping/>
-  </p:clrMapOvr>
-</p:sld>
-</file>
-
-<file path=ppt/slides/slide9.xml><?xml version="1.0" encoding="utf-8"?>
-<p:sld xmlns:a="http://schemas.openxmlformats.org/drawingml/2006/main" xmlns:r="http://schemas.openxmlformats.org/officeDocument/2006/relationships" xmlns:p="http://schemas.openxmlformats.org/presentationml/2006/main">
-  <p:cSld>
-    <p:spTree>
-      <p:nvGrpSpPr>
-        <p:cNvPr id="1" name=""/>
-        <p:cNvGrpSpPr/>
-        <p:nvPr/>
-      </p:nvGrpSpPr>
-      <p:grpSpPr>
-        <a:xfrm>
-          <a:off x="0" y="0"/>
-          <a:ext cx="0" cy="0"/>
-          <a:chOff x="0" y="0"/>
-          <a:chExt cx="0" cy="0"/>
-        </a:xfrm>
-      </p:grpSpPr>
-      <p:sp>
-        <p:nvSpPr>
-          <p:cNvPr id="2" name="Titre 1">
-            <a:extLst>
-              <a:ext uri="{FF2B5EF4-FFF2-40B4-BE49-F238E27FC236}">
-                <a16:creationId xmlns:a16="http://schemas.microsoft.com/office/drawing/2014/main" id="{B19E62EA-3CED-4724-A1A5-0E70438882B3}"/>
-              </a:ext>
-            </a:extLst>
-          </p:cNvPr>
-          <p:cNvSpPr>
-            <a:spLocks noGrp="1"/>
-          </p:cNvSpPr>
-          <p:nvPr>
-            <p:ph type="title"/>
-          </p:nvPr>
-        </p:nvSpPr>
-        <p:spPr/>
-        <p:txBody>
-          <a:bodyPr/>
-          <a:lstStyle/>
-          <a:p>
-            <a:r>
-              <a:rPr lang="fr-FR" dirty="0"/>
-              <a:t>Communication entre langages :</a:t>
-            </a:r>
-          </a:p>
-        </p:txBody>
-      </p:sp>
-      <p:sp>
-        <p:nvSpPr>
-          <p:cNvPr id="3" name="Rectangle : coins arrondis 2">
-            <a:extLst>
-              <a:ext uri="{FF2B5EF4-FFF2-40B4-BE49-F238E27FC236}">
-                <a16:creationId xmlns:a16="http://schemas.microsoft.com/office/drawing/2014/main" id="{D740A496-5EBC-460F-8B2C-5B31E93EDC84}"/>
-              </a:ext>
-            </a:extLst>
-          </p:cNvPr>
-          <p:cNvSpPr/>
-          <p:nvPr/>
-        </p:nvSpPr>
-        <p:spPr>
-          <a:xfrm>
-            <a:off x="576471" y="1921565"/>
-            <a:ext cx="4167807" cy="4571310"/>
-          </a:xfrm>
-          <a:prstGeom prst="roundRect">
-            <a:avLst/>
-          </a:prstGeom>
-          <a:solidFill>
-            <a:schemeClr val="accent5">
-              <a:lumMod val="20000"/>
-              <a:lumOff val="80000"/>
-            </a:schemeClr>
-          </a:solidFill>
-          <a:ln>
-            <a:noFill/>
-          </a:ln>
-        </p:spPr>
-        <p:style>
-          <a:lnRef idx="2">
-            <a:schemeClr val="accent1">
-              <a:shade val="50000"/>
-            </a:schemeClr>
-          </a:lnRef>
-          <a:fillRef idx="1">
-            <a:schemeClr val="accent1"/>
-          </a:fillRef>
-          <a:effectRef idx="0">
-            <a:schemeClr val="accent1"/>
-          </a:effectRef>
-          <a:fontRef idx="minor">
-            <a:schemeClr val="lt1"/>
-          </a:fontRef>
-        </p:style>
-        <p:txBody>
-          <a:bodyPr rtlCol="0" anchor="ctr"/>
-          <a:lstStyle/>
-          <a:p>
-            <a:pPr algn="ctr"/>
-            <a:endParaRPr lang="fr-FR"/>
-          </a:p>
-        </p:txBody>
-      </p:sp>
-      <p:sp>
-        <p:nvSpPr>
-          <p:cNvPr id="4" name="Rectangle : coins arrondis 3">
-            <a:extLst>
-              <a:ext uri="{FF2B5EF4-FFF2-40B4-BE49-F238E27FC236}">
-                <a16:creationId xmlns:a16="http://schemas.microsoft.com/office/drawing/2014/main" id="{2F6F2EFE-38F9-438E-B89B-B4D9E3AAD91C}"/>
-              </a:ext>
-            </a:extLst>
-          </p:cNvPr>
-          <p:cNvSpPr/>
-          <p:nvPr/>
-        </p:nvSpPr>
-        <p:spPr>
-          <a:xfrm>
-            <a:off x="6447183" y="1921565"/>
-            <a:ext cx="4167808" cy="4571310"/>
-          </a:xfrm>
-          <a:prstGeom prst="roundRect">
-            <a:avLst/>
-          </a:prstGeom>
-          <a:solidFill>
-            <a:schemeClr val="bg1">
-              <a:lumMod val="85000"/>
-            </a:schemeClr>
-          </a:solidFill>
-          <a:ln>
-            <a:noFill/>
-          </a:ln>
-        </p:spPr>
-        <p:style>
-          <a:lnRef idx="2">
-            <a:schemeClr val="accent1">
-              <a:shade val="50000"/>
-            </a:schemeClr>
-          </a:lnRef>
-          <a:fillRef idx="1">
-            <a:schemeClr val="accent1"/>
-          </a:fillRef>
-          <a:effectRef idx="0">
-            <a:schemeClr val="accent1"/>
-          </a:effectRef>
-          <a:fontRef idx="minor">
-            <a:schemeClr val="lt1"/>
-          </a:fontRef>
-        </p:style>
-        <p:txBody>
-          <a:bodyPr rtlCol="0" anchor="ctr"/>
-          <a:lstStyle/>
-          <a:p>
-            <a:pPr algn="ctr"/>
-            <a:endParaRPr lang="fr-FR"/>
-          </a:p>
-        </p:txBody>
-      </p:sp>
-      <p:pic>
-        <p:nvPicPr>
-          <p:cNvPr id="5" name="Picture 2" descr="Python Concepts - Wikiversity">
-            <a:extLst>
-              <a:ext uri="{FF2B5EF4-FFF2-40B4-BE49-F238E27FC236}">
-                <a16:creationId xmlns:a16="http://schemas.microsoft.com/office/drawing/2014/main" id="{59DEBD6F-48ED-4036-A8CA-B74BB0B89666}"/>
-              </a:ext>
-            </a:extLst>
-          </p:cNvPr>
-          <p:cNvPicPr>
-            <a:picLocks noChangeAspect="1" noChangeArrowheads="1"/>
-          </p:cNvPicPr>
-          <p:nvPr/>
-        </p:nvPicPr>
-        <p:blipFill>
-          <a:blip r:embed="rId2">
-            <a:extLst>
-              <a:ext uri="{28A0092B-C50C-407E-A947-70E740481C1C}">
-                <a14:useLocalDpi xmlns:a14="http://schemas.microsoft.com/office/drawing/2010/main" val="0"/>
-              </a:ext>
-            </a:extLst>
-          </a:blip>
-          <a:srcRect/>
-          <a:stretch>
-            <a:fillRect/>
-          </a:stretch>
-        </p:blipFill>
-        <p:spPr bwMode="auto">
-          <a:xfrm>
-            <a:off x="3425169" y="2114412"/>
-            <a:ext cx="1147349" cy="1147349"/>
-          </a:xfrm>
-          <a:prstGeom prst="rect">
-            <a:avLst/>
-          </a:prstGeom>
-          <a:noFill/>
-          <a:extLst>
-            <a:ext uri="{909E8E84-426E-40DD-AFC4-6F175D3DCCD1}">
-              <a14:hiddenFill xmlns:a14="http://schemas.microsoft.com/office/drawing/2010/main">
-                <a:solidFill>
-                  <a:srgbClr val="FFFFFF"/>
-                </a:solidFill>
-              </a14:hiddenFill>
-            </a:ext>
-          </a:extLst>
-        </p:spPr>
-      </p:pic>
-      <p:pic>
-        <p:nvPicPr>
-          <p:cNvPr id="6" name="Picture 2" descr="Programmare in C++ lezione 1 - Millennium Technology">
-            <a:extLst>
-              <a:ext uri="{FF2B5EF4-FFF2-40B4-BE49-F238E27FC236}">
-                <a16:creationId xmlns:a16="http://schemas.microsoft.com/office/drawing/2014/main" id="{CDE94567-5042-4F0D-98E5-F5A044E6560B}"/>
-              </a:ext>
-            </a:extLst>
-          </p:cNvPr>
-          <p:cNvPicPr>
-            <a:picLocks noChangeAspect="1" noChangeArrowheads="1"/>
-          </p:cNvPicPr>
-          <p:nvPr/>
-        </p:nvPicPr>
-        <p:blipFill>
-          <a:blip r:embed="rId3">
-            <a:extLst>
-              <a:ext uri="{28A0092B-C50C-407E-A947-70E740481C1C}">
-                <a14:useLocalDpi xmlns:a14="http://schemas.microsoft.com/office/drawing/2010/main" val="0"/>
-              </a:ext>
-            </a:extLst>
-          </a:blip>
-          <a:srcRect/>
-          <a:stretch>
-            <a:fillRect/>
-          </a:stretch>
-        </p:blipFill>
-        <p:spPr bwMode="auto">
-          <a:xfrm>
-            <a:off x="9186379" y="2025304"/>
-            <a:ext cx="1236457" cy="1236457"/>
-          </a:xfrm>
-          <a:prstGeom prst="rect">
-            <a:avLst/>
-          </a:prstGeom>
-          <a:noFill/>
-          <a:extLst>
-            <a:ext uri="{909E8E84-426E-40DD-AFC4-6F175D3DCCD1}">
-              <a14:hiddenFill xmlns:a14="http://schemas.microsoft.com/office/drawing/2010/main">
-                <a:solidFill>
-                  <a:srgbClr val="FFFFFF"/>
-                </a:solidFill>
-              </a14:hiddenFill>
-            </a:ext>
-          </a:extLst>
-        </p:spPr>
-      </p:pic>
-      <p:sp>
-        <p:nvSpPr>
-          <p:cNvPr id="7" name="ZoneTexte 6">
-            <a:extLst>
-              <a:ext uri="{FF2B5EF4-FFF2-40B4-BE49-F238E27FC236}">
-                <a16:creationId xmlns:a16="http://schemas.microsoft.com/office/drawing/2014/main" id="{FB2A979C-3CC3-4DE1-9B8F-96ABB1BFAB41}"/>
-              </a:ext>
-            </a:extLst>
-          </p:cNvPr>
-          <p:cNvSpPr txBox="1"/>
-          <p:nvPr/>
-        </p:nvSpPr>
-        <p:spPr>
-          <a:xfrm>
-            <a:off x="6728172" y="2228033"/>
-            <a:ext cx="2533787" cy="830997"/>
-          </a:xfrm>
-          <a:prstGeom prst="rect">
-            <a:avLst/>
-          </a:prstGeom>
-          <a:noFill/>
-        </p:spPr>
-        <p:txBody>
-          <a:bodyPr wrap="square" rtlCol="0">
-            <a:spAutoFit/>
-          </a:bodyPr>
-          <a:lstStyle/>
-          <a:p>
-            <a:r>
-              <a:rPr lang="fr-FR" sz="2400" b="1" dirty="0"/>
-              <a:t>Simulation du trou noir :</a:t>
-            </a:r>
-          </a:p>
-        </p:txBody>
-      </p:sp>
-      <p:sp>
-        <p:nvSpPr>
-          <p:cNvPr id="8" name="ZoneTexte 7">
-            <a:extLst>
-              <a:ext uri="{FF2B5EF4-FFF2-40B4-BE49-F238E27FC236}">
-                <a16:creationId xmlns:a16="http://schemas.microsoft.com/office/drawing/2014/main" id="{FC884AD3-2B87-47B9-9E43-594CA6B857DC}"/>
-              </a:ext>
-            </a:extLst>
-          </p:cNvPr>
-          <p:cNvSpPr txBox="1"/>
-          <p:nvPr/>
-        </p:nvSpPr>
-        <p:spPr>
-          <a:xfrm>
-            <a:off x="997398" y="2412698"/>
-            <a:ext cx="2533787" cy="461665"/>
-          </a:xfrm>
-          <a:prstGeom prst="rect">
-            <a:avLst/>
-          </a:prstGeom>
-          <a:noFill/>
-        </p:spPr>
-        <p:txBody>
-          <a:bodyPr wrap="square" rtlCol="0">
-            <a:spAutoFit/>
-          </a:bodyPr>
-          <a:lstStyle/>
-          <a:p>
-            <a:r>
-              <a:rPr lang="fr-FR" sz="2400" b="1" dirty="0"/>
-              <a:t>Main :</a:t>
-            </a:r>
-          </a:p>
-        </p:txBody>
-      </p:sp>
-      <p:sp>
-        <p:nvSpPr>
-          <p:cNvPr id="9" name="ZoneTexte 8">
-            <a:extLst>
-              <a:ext uri="{FF2B5EF4-FFF2-40B4-BE49-F238E27FC236}">
-                <a16:creationId xmlns:a16="http://schemas.microsoft.com/office/drawing/2014/main" id="{D503191D-1EDC-48A2-9F68-6552C81AFC37}"/>
-              </a:ext>
-            </a:extLst>
-          </p:cNvPr>
-          <p:cNvSpPr txBox="1"/>
-          <p:nvPr/>
-        </p:nvSpPr>
-        <p:spPr>
-          <a:xfrm>
-            <a:off x="997398" y="3419188"/>
-            <a:ext cx="3482009" cy="2554545"/>
-          </a:xfrm>
-          <a:prstGeom prst="rect">
-            <a:avLst/>
-          </a:prstGeom>
-          <a:noFill/>
-        </p:spPr>
-        <p:txBody>
-          <a:bodyPr wrap="square" rtlCol="0">
-            <a:spAutoFit/>
-          </a:bodyPr>
-          <a:lstStyle/>
-          <a:p>
-            <a:pPr marL="285750" indent="-285750">
-              <a:buFontTx/>
-              <a:buChar char="-"/>
-            </a:pPr>
-            <a:r>
-              <a:rPr lang="fr-FR" sz="2000" dirty="0"/>
-              <a:t>Interface utilisateur</a:t>
-            </a:r>
-          </a:p>
-          <a:p>
-            <a:pPr marL="285750" indent="-285750">
-              <a:buFontTx/>
-              <a:buChar char="-"/>
-            </a:pPr>
-            <a:r>
-              <a:rPr lang="fr-FR" sz="2000" dirty="0"/>
-              <a:t>Choix des paramètres de simulation</a:t>
-            </a:r>
-          </a:p>
-          <a:p>
-            <a:pPr marL="285750" indent="-285750">
-              <a:buFontTx/>
-              <a:buChar char="-"/>
-            </a:pPr>
-            <a:endParaRPr lang="fr-FR" sz="2000" dirty="0"/>
-          </a:p>
-          <a:p>
-            <a:endParaRPr lang="fr-FR" sz="2000" dirty="0"/>
-          </a:p>
-          <a:p>
-            <a:endParaRPr lang="fr-FR" sz="2000" dirty="0"/>
-          </a:p>
-          <a:p>
-            <a:pPr marL="285750" indent="-285750">
-              <a:buFontTx/>
-              <a:buChar char="-"/>
-            </a:pPr>
-            <a:endParaRPr lang="fr-FR" sz="2000" dirty="0"/>
-          </a:p>
-          <a:p>
-            <a:pPr marL="285750" indent="-285750">
-              <a:buFontTx/>
-              <a:buChar char="-"/>
-            </a:pPr>
-            <a:r>
-              <a:rPr lang="fr-FR" sz="2000" dirty="0"/>
-              <a:t>Filtre</a:t>
-            </a:r>
-          </a:p>
-        </p:txBody>
-      </p:sp>
-      <p:sp>
-        <p:nvSpPr>
-          <p:cNvPr id="10" name="ZoneTexte 9">
-            <a:extLst>
-              <a:ext uri="{FF2B5EF4-FFF2-40B4-BE49-F238E27FC236}">
-                <a16:creationId xmlns:a16="http://schemas.microsoft.com/office/drawing/2014/main" id="{49D59848-290F-45DC-A6D9-953CB7A77DDB}"/>
-              </a:ext>
-            </a:extLst>
-          </p:cNvPr>
-          <p:cNvSpPr txBox="1"/>
-          <p:nvPr/>
-        </p:nvSpPr>
-        <p:spPr>
-          <a:xfrm>
-            <a:off x="6728172" y="3568229"/>
-            <a:ext cx="3482009" cy="1938992"/>
-          </a:xfrm>
-          <a:prstGeom prst="rect">
-            <a:avLst/>
-          </a:prstGeom>
-          <a:noFill/>
-        </p:spPr>
-        <p:txBody>
-          <a:bodyPr wrap="square" rtlCol="0">
-            <a:spAutoFit/>
-          </a:bodyPr>
-          <a:lstStyle/>
-          <a:p>
-            <a:pPr marL="285750" indent="-285750">
-              <a:buFontTx/>
-              <a:buChar char="-"/>
-            </a:pPr>
-            <a:r>
-              <a:rPr lang="fr-FR" sz="2000" dirty="0"/>
-              <a:t>Récupération des pixels dans l’image de fond</a:t>
-            </a:r>
-          </a:p>
-          <a:p>
-            <a:pPr marL="285750" indent="-285750">
-              <a:buFontTx/>
-              <a:buChar char="-"/>
-            </a:pPr>
-            <a:r>
-              <a:rPr lang="fr-FR" sz="2000" dirty="0"/>
-              <a:t>Calcul des trajectoires et des valeurs de pixel</a:t>
-            </a:r>
-          </a:p>
-          <a:p>
-            <a:r>
-              <a:rPr lang="fr-FR" sz="2000" dirty="0"/>
-              <a:t>- Constitution de l’image</a:t>
-            </a:r>
-          </a:p>
-        </p:txBody>
-      </p:sp>
-      <p:cxnSp>
-        <p:nvCxnSpPr>
-          <p:cNvPr id="12" name="Connecteur droit avec flèche 11">
-            <a:extLst>
-              <a:ext uri="{FF2B5EF4-FFF2-40B4-BE49-F238E27FC236}">
-                <a16:creationId xmlns:a16="http://schemas.microsoft.com/office/drawing/2014/main" id="{8F658D8A-2B92-41FC-B642-317FF274DDE1}"/>
-              </a:ext>
-            </a:extLst>
-          </p:cNvPr>
-          <p:cNvCxnSpPr/>
-          <p:nvPr/>
-        </p:nvCxnSpPr>
-        <p:spPr>
-          <a:xfrm>
-            <a:off x="4572518" y="4041912"/>
-            <a:ext cx="1967776" cy="0"/>
-          </a:xfrm>
-          <a:prstGeom prst="straightConnector1">
-            <a:avLst/>
-          </a:prstGeom>
-          <a:ln w="38100">
-            <a:tailEnd type="triangle"/>
-          </a:ln>
-        </p:spPr>
-        <p:style>
-          <a:lnRef idx="1">
-            <a:schemeClr val="accent1"/>
-          </a:lnRef>
-          <a:fillRef idx="0">
-            <a:schemeClr val="accent1"/>
-          </a:fillRef>
-          <a:effectRef idx="0">
-            <a:schemeClr val="accent1"/>
-          </a:effectRef>
-          <a:fontRef idx="minor">
-            <a:schemeClr val="tx1"/>
-          </a:fontRef>
-        </p:style>
-      </p:cxnSp>
-      <p:cxnSp>
-        <p:nvCxnSpPr>
-          <p:cNvPr id="13" name="Connecteur droit avec flèche 12">
-            <a:extLst>
-              <a:ext uri="{FF2B5EF4-FFF2-40B4-BE49-F238E27FC236}">
-                <a16:creationId xmlns:a16="http://schemas.microsoft.com/office/drawing/2014/main" id="{93951F59-4EA4-4263-BC0A-889595DE9156}"/>
-              </a:ext>
-            </a:extLst>
-          </p:cNvPr>
-          <p:cNvCxnSpPr>
-            <a:cxnSpLocks/>
-          </p:cNvCxnSpPr>
-          <p:nvPr/>
-        </p:nvCxnSpPr>
-        <p:spPr>
-          <a:xfrm flipH="1">
-            <a:off x="4572518" y="5294243"/>
-            <a:ext cx="1967776" cy="0"/>
-          </a:xfrm>
-          <a:prstGeom prst="straightConnector1">
-            <a:avLst/>
-          </a:prstGeom>
-          <a:ln w="38100">
-            <a:tailEnd type="triangle"/>
-          </a:ln>
-        </p:spPr>
-        <p:style>
-          <a:lnRef idx="1">
-            <a:schemeClr val="accent1"/>
-          </a:lnRef>
-          <a:fillRef idx="0">
-            <a:schemeClr val="accent1"/>
-          </a:fillRef>
-          <a:effectRef idx="0">
-            <a:schemeClr val="accent1"/>
-          </a:effectRef>
-          <a:fontRef idx="minor">
-            <a:schemeClr val="tx1"/>
-          </a:fontRef>
-        </p:style>
-      </p:cxnSp>
-      <p:sp>
-        <p:nvSpPr>
-          <p:cNvPr id="14" name="ZoneTexte 13">
-            <a:extLst>
-              <a:ext uri="{FF2B5EF4-FFF2-40B4-BE49-F238E27FC236}">
-                <a16:creationId xmlns:a16="http://schemas.microsoft.com/office/drawing/2014/main" id="{BDC50743-9EA9-4721-B974-04D8A3FE46AA}"/>
-              </a:ext>
-            </a:extLst>
-          </p:cNvPr>
-          <p:cNvSpPr txBox="1"/>
-          <p:nvPr/>
-        </p:nvSpPr>
-        <p:spPr>
-          <a:xfrm>
-            <a:off x="4836425" y="3615503"/>
-            <a:ext cx="1579084" cy="369332"/>
-          </a:xfrm>
-          <a:prstGeom prst="rect">
-            <a:avLst/>
-          </a:prstGeom>
-          <a:noFill/>
-        </p:spPr>
-        <p:txBody>
-          <a:bodyPr wrap="square" rtlCol="0">
-            <a:spAutoFit/>
-          </a:bodyPr>
-          <a:lstStyle/>
-          <a:p>
-            <a:r>
-              <a:rPr lang="fr-FR" b="1" dirty="0">
-                <a:solidFill>
-                  <a:srgbClr val="0070C0"/>
-                </a:solidFill>
-              </a:rPr>
-              <a:t>Fichier txt</a:t>
-            </a:r>
-          </a:p>
-        </p:txBody>
-      </p:sp>
-      <p:sp>
-        <p:nvSpPr>
-          <p:cNvPr id="15" name="ZoneTexte 14">
-            <a:extLst>
-              <a:ext uri="{FF2B5EF4-FFF2-40B4-BE49-F238E27FC236}">
-                <a16:creationId xmlns:a16="http://schemas.microsoft.com/office/drawing/2014/main" id="{B12113F5-6C36-476B-BC7A-15241D7E1670}"/>
-              </a:ext>
-            </a:extLst>
-          </p:cNvPr>
-          <p:cNvSpPr txBox="1"/>
-          <p:nvPr/>
-        </p:nvSpPr>
-        <p:spPr>
-          <a:xfrm>
-            <a:off x="4841595" y="5340455"/>
-            <a:ext cx="1672195" cy="369332"/>
-          </a:xfrm>
-          <a:prstGeom prst="rect">
-            <a:avLst/>
-          </a:prstGeom>
-          <a:noFill/>
-        </p:spPr>
-        <p:txBody>
-          <a:bodyPr wrap="square" rtlCol="0">
-            <a:spAutoFit/>
-          </a:bodyPr>
-          <a:lstStyle/>
-          <a:p>
-            <a:r>
-              <a:rPr lang="fr-FR" b="1" dirty="0">
-                <a:solidFill>
-                  <a:srgbClr val="0070C0"/>
-                </a:solidFill>
-              </a:rPr>
-              <a:t>Fichier png</a:t>
-            </a:r>
-          </a:p>
-        </p:txBody>
-      </p:sp>
-    </p:spTree>
-    <p:extLst>
-      <p:ext uri="{BB962C8B-B14F-4D97-AF65-F5344CB8AC3E}">
-        <p14:creationId xmlns:p14="http://schemas.microsoft.com/office/powerpoint/2010/main" val="2463436045"/>
       </p:ext>
     </p:extLst>
   </p:cSld>
